--- a/DAY8/ML4HPC/slides/Magurele_2.pptx
+++ b/DAY8/ML4HPC/slides/Magurele_2.pptx
@@ -13,11 +13,24 @@
     <p:sldId id="286" r:id="rId7"/>
     <p:sldId id="287" r:id="rId8"/>
     <p:sldId id="288" r:id="rId9"/>
-    <p:sldId id="289" r:id="rId10"/>
-    <p:sldId id="290" r:id="rId11"/>
-    <p:sldId id="291" r:id="rId12"/>
-    <p:sldId id="292" r:id="rId13"/>
-    <p:sldId id="293" r:id="rId14"/>
+    <p:sldId id="294" r:id="rId10"/>
+    <p:sldId id="289" r:id="rId11"/>
+    <p:sldId id="290" r:id="rId12"/>
+    <p:sldId id="291" r:id="rId13"/>
+    <p:sldId id="292" r:id="rId14"/>
+    <p:sldId id="293" r:id="rId15"/>
+    <p:sldId id="264" r:id="rId16"/>
+    <p:sldId id="296" r:id="rId17"/>
+    <p:sldId id="297" r:id="rId18"/>
+    <p:sldId id="298" r:id="rId19"/>
+    <p:sldId id="267" r:id="rId20"/>
+    <p:sldId id="277" r:id="rId21"/>
+    <p:sldId id="278" r:id="rId22"/>
+    <p:sldId id="279" r:id="rId23"/>
+    <p:sldId id="302" r:id="rId24"/>
+    <p:sldId id="299" r:id="rId25"/>
+    <p:sldId id="300" r:id="rId26"/>
+    <p:sldId id="303" r:id="rId27"/>
   </p:sldIdLst>
   <p:sldSz cx="12192000" cy="6858000"/>
   <p:notesSz cx="6858000" cy="9144000"/>
@@ -127,7 +140,8 @@
 <file path=ppt/revisionInfo.xml><?xml version="1.0" encoding="utf-8"?>
 <p1510:revInfo xmlns:a="http://schemas.openxmlformats.org/drawingml/2006/main" xmlns:r="http://schemas.openxmlformats.org/officeDocument/2006/relationships" xmlns:p1510="http://schemas.microsoft.com/office/powerpoint/2015/10/main">
   <p1510:revLst>
-    <p1510:client id="{1F315BFC-310B-6621-1E00-FAFC210BD679}" v="1967" dt="2025-07-05T19:34:39.981"/>
+    <p1510:client id="{322E0CEC-47BF-941C-81E9-B056A83AAE3F}" v="725" dt="2025-07-08T08:23:47.052"/>
+    <p1510:client id="{BA19F196-DDB5-95B9-070A-803C4BC3358B}" v="9" dt="2025-07-08T14:45:23.784"/>
   </p1510:revLst>
 </p1510:revInfo>
 </file>
@@ -263,7 +277,7 @@
           <a:p>
             <a:fld id="{846CE7D5-CF57-46EF-B807-FDD0502418D4}" type="datetimeFigureOut">
               <a:rPr lang="en-US" smtClean="0"/>
-              <a:t>7/5/2025</a:t>
+              <a:t>7/8/2025</a:t>
             </a:fld>
             <a:endParaRPr lang="en-US"/>
           </a:p>
@@ -433,7 +447,7 @@
           <a:p>
             <a:fld id="{846CE7D5-CF57-46EF-B807-FDD0502418D4}" type="datetimeFigureOut">
               <a:rPr lang="en-US" smtClean="0"/>
-              <a:t>7/5/2025</a:t>
+              <a:t>7/8/2025</a:t>
             </a:fld>
             <a:endParaRPr lang="en-US"/>
           </a:p>
@@ -613,7 +627,7 @@
           <a:p>
             <a:fld id="{846CE7D5-CF57-46EF-B807-FDD0502418D4}" type="datetimeFigureOut">
               <a:rPr lang="en-US" smtClean="0"/>
-              <a:t>7/5/2025</a:t>
+              <a:t>7/8/2025</a:t>
             </a:fld>
             <a:endParaRPr lang="en-US"/>
           </a:p>
@@ -783,7 +797,7 @@
           <a:p>
             <a:fld id="{846CE7D5-CF57-46EF-B807-FDD0502418D4}" type="datetimeFigureOut">
               <a:rPr lang="en-US" smtClean="0"/>
-              <a:t>7/5/2025</a:t>
+              <a:t>7/8/2025</a:t>
             </a:fld>
             <a:endParaRPr lang="en-US"/>
           </a:p>
@@ -1029,7 +1043,7 @@
           <a:p>
             <a:fld id="{846CE7D5-CF57-46EF-B807-FDD0502418D4}" type="datetimeFigureOut">
               <a:rPr lang="en-US" smtClean="0"/>
-              <a:t>7/5/2025</a:t>
+              <a:t>7/8/2025</a:t>
             </a:fld>
             <a:endParaRPr lang="en-US"/>
           </a:p>
@@ -1261,7 +1275,7 @@
           <a:p>
             <a:fld id="{846CE7D5-CF57-46EF-B807-FDD0502418D4}" type="datetimeFigureOut">
               <a:rPr lang="en-US" smtClean="0"/>
-              <a:t>7/5/2025</a:t>
+              <a:t>7/8/2025</a:t>
             </a:fld>
             <a:endParaRPr lang="en-US"/>
           </a:p>
@@ -1628,7 +1642,7 @@
           <a:p>
             <a:fld id="{846CE7D5-CF57-46EF-B807-FDD0502418D4}" type="datetimeFigureOut">
               <a:rPr lang="en-US" smtClean="0"/>
-              <a:t>7/5/2025</a:t>
+              <a:t>7/8/2025</a:t>
             </a:fld>
             <a:endParaRPr lang="en-US"/>
           </a:p>
@@ -1746,7 +1760,7 @@
           <a:p>
             <a:fld id="{846CE7D5-CF57-46EF-B807-FDD0502418D4}" type="datetimeFigureOut">
               <a:rPr lang="en-US" smtClean="0"/>
-              <a:t>7/5/2025</a:t>
+              <a:t>7/8/2025</a:t>
             </a:fld>
             <a:endParaRPr lang="en-US"/>
           </a:p>
@@ -1841,7 +1855,7 @@
           <a:p>
             <a:fld id="{846CE7D5-CF57-46EF-B807-FDD0502418D4}" type="datetimeFigureOut">
               <a:rPr lang="en-US" smtClean="0"/>
-              <a:t>7/5/2025</a:t>
+              <a:t>7/8/2025</a:t>
             </a:fld>
             <a:endParaRPr lang="en-US"/>
           </a:p>
@@ -2118,7 +2132,7 @@
           <a:p>
             <a:fld id="{846CE7D5-CF57-46EF-B807-FDD0502418D4}" type="datetimeFigureOut">
               <a:rPr lang="en-US" smtClean="0"/>
-              <a:t>7/5/2025</a:t>
+              <a:t>7/8/2025</a:t>
             </a:fld>
             <a:endParaRPr lang="en-US"/>
           </a:p>
@@ -2375,7 +2389,7 @@
           <a:p>
             <a:fld id="{846CE7D5-CF57-46EF-B807-FDD0502418D4}" type="datetimeFigureOut">
               <a:rPr lang="en-US" smtClean="0"/>
-              <a:t>7/5/2025</a:t>
+              <a:t>7/8/2025</a:t>
             </a:fld>
             <a:endParaRPr lang="en-US"/>
           </a:p>
@@ -2588,7 +2602,7 @@
           <a:p>
             <a:fld id="{846CE7D5-CF57-46EF-B807-FDD0502418D4}" type="datetimeFigureOut">
               <a:rPr lang="en-US" smtClean="0"/>
-              <a:t>7/5/2025</a:t>
+              <a:t>7/8/2025</a:t>
             </a:fld>
             <a:endParaRPr lang="en-US"/>
           </a:p>
@@ -3117,6 +3131,269 @@
         <p:cNvPr id="1" name="">
           <a:extLst>
             <a:ext uri="{FF2B5EF4-FFF2-40B4-BE49-F238E27FC236}">
+              <a16:creationId xmlns:a16="http://schemas.microsoft.com/office/drawing/2014/main" id="{98C05AC8-2BBF-0597-3EF0-430FD62A58AC}"/>
+            </a:ext>
+          </a:extLst>
+        </p:cNvPr>
+        <p:cNvGrpSpPr/>
+        <p:nvPr/>
+      </p:nvGrpSpPr>
+      <p:grpSpPr>
+        <a:xfrm>
+          <a:off x="0" y="0"/>
+          <a:ext cx="0" cy="0"/>
+          <a:chOff x="0" y="0"/>
+          <a:chExt cx="0" cy="0"/>
+        </a:xfrm>
+      </p:grpSpPr>
+      <p:sp>
+        <p:nvSpPr>
+          <p:cNvPr id="2" name="Title 1">
+            <a:extLst>
+              <a:ext uri="{FF2B5EF4-FFF2-40B4-BE49-F238E27FC236}">
+                <a16:creationId xmlns:a16="http://schemas.microsoft.com/office/drawing/2014/main" id="{7856B8FF-7877-1BEF-1CA2-1129B8F81D66}"/>
+              </a:ext>
+            </a:extLst>
+          </p:cNvPr>
+          <p:cNvSpPr>
+            <a:spLocks noGrp="1"/>
+          </p:cNvSpPr>
+          <p:nvPr>
+            <p:ph type="title"/>
+          </p:nvPr>
+        </p:nvSpPr>
+        <p:spPr/>
+        <p:txBody>
+          <a:bodyPr>
+            <a:normAutofit/>
+          </a:bodyPr>
+          <a:lstStyle/>
+          <a:p>
+            <a:r>
+              <a:rPr lang="en-US" dirty="0">
+                <a:latin typeface="Aptos"/>
+              </a:rPr>
+              <a:t>k-Nearest Neighbors (</a:t>
+            </a:r>
+            <a:r>
+              <a:rPr lang="en-US" dirty="0" err="1">
+                <a:latin typeface="Aptos"/>
+              </a:rPr>
+              <a:t>kNN</a:t>
+            </a:r>
+            <a:r>
+              <a:rPr lang="en-US" dirty="0">
+                <a:latin typeface="Aptos"/>
+              </a:rPr>
+              <a:t>)</a:t>
+            </a:r>
+            <a:endParaRPr lang="en-US" dirty="0"/>
+          </a:p>
+        </p:txBody>
+      </p:sp>
+      <p:sp>
+        <p:nvSpPr>
+          <p:cNvPr id="12" name="Content Placeholder 11">
+            <a:extLst>
+              <a:ext uri="{FF2B5EF4-FFF2-40B4-BE49-F238E27FC236}">
+                <a16:creationId xmlns:a16="http://schemas.microsoft.com/office/drawing/2014/main" id="{B7343FDD-3F7D-D76A-CA11-6C649D6D8C42}"/>
+              </a:ext>
+            </a:extLst>
+          </p:cNvPr>
+          <p:cNvSpPr>
+            <a:spLocks noGrp="1"/>
+          </p:cNvSpPr>
+          <p:nvPr>
+            <p:ph idx="1"/>
+          </p:nvPr>
+        </p:nvSpPr>
+        <p:spPr>
+          <a:xfrm>
+            <a:off x="838200" y="1825625"/>
+            <a:ext cx="10517637" cy="4351338"/>
+          </a:xfrm>
+        </p:spPr>
+        <p:txBody>
+          <a:bodyPr vert="horz" lIns="91440" tIns="45720" rIns="91440" bIns="45720" rtlCol="0" anchor="t">
+            <a:noAutofit/>
+          </a:bodyPr>
+          <a:lstStyle/>
+          <a:p>
+            <a:r>
+              <a:rPr lang="en-US" sz="2400" dirty="0">
+                <a:ea typeface="+mn-lt"/>
+                <a:cs typeface="+mn-lt"/>
+              </a:rPr>
+              <a:t>When trying to predict outcomes of a particular observation in a dataset, one of the most natural and intuitive options is to consider similar observations and check their outcomes</a:t>
+            </a:r>
+            <a:endParaRPr lang="en-US" sz="2400" dirty="0"/>
+          </a:p>
+          <a:p>
+            <a:r>
+              <a:rPr lang="en-US" sz="2400" dirty="0">
+                <a:ea typeface="+mn-lt"/>
+                <a:cs typeface="+mn-lt"/>
+              </a:rPr>
+              <a:t> </a:t>
+            </a:r>
+            <a:r>
+              <a:rPr lang="en-US" sz="2400" dirty="0" err="1">
+                <a:ea typeface="+mn-lt"/>
+                <a:cs typeface="+mn-lt"/>
+              </a:rPr>
+              <a:t>kNN</a:t>
+            </a:r>
+            <a:r>
+              <a:rPr lang="en-US" sz="2400" dirty="0">
+                <a:ea typeface="+mn-lt"/>
+                <a:cs typeface="+mn-lt"/>
+              </a:rPr>
+              <a:t> is used for classification, regression, or search algorithms</a:t>
+            </a:r>
+          </a:p>
+          <a:p>
+            <a:r>
+              <a:rPr lang="en-US" sz="2400" dirty="0">
+                <a:ea typeface="+mn-lt"/>
+                <a:cs typeface="+mn-lt"/>
+              </a:rPr>
+              <a:t>For each new observation, we find the k most similar (defined in terms of distance metric) observations with known outcomes</a:t>
+            </a:r>
+            <a:endParaRPr lang="en-US">
+              <a:ea typeface="+mn-lt"/>
+              <a:cs typeface="+mn-lt"/>
+            </a:endParaRPr>
+          </a:p>
+          <a:p>
+            <a:r>
+              <a:rPr lang="en-US" sz="2400" dirty="0">
+                <a:ea typeface="+mn-lt"/>
+                <a:cs typeface="+mn-lt"/>
+              </a:rPr>
+              <a:t>Labelled observations are gathered into a data </a:t>
+            </a:r>
+            <a:br>
+              <a:rPr lang="en-US" sz="2400" dirty="0">
+                <a:ea typeface="+mn-lt"/>
+                <a:cs typeface="+mn-lt"/>
+              </a:rPr>
+            </a:br>
+            <a:r>
+              <a:rPr lang="en-US" sz="2400" dirty="0">
+                <a:ea typeface="+mn-lt"/>
+                <a:cs typeface="+mn-lt"/>
+              </a:rPr>
+              <a:t>structure known as </a:t>
+            </a:r>
+            <a:r>
+              <a:rPr lang="en-US" sz="2400" i="1" dirty="0">
+                <a:ea typeface="+mn-lt"/>
+                <a:cs typeface="+mn-lt"/>
+              </a:rPr>
+              <a:t>index</a:t>
+            </a:r>
+            <a:endParaRPr lang="en-US" sz="2400" dirty="0">
+              <a:ea typeface="+mn-lt"/>
+              <a:cs typeface="+mn-lt"/>
+            </a:endParaRPr>
+          </a:p>
+          <a:p>
+            <a:r>
+              <a:rPr lang="en-US" sz="2400" dirty="0">
+                <a:ea typeface="+mn-lt"/>
+                <a:cs typeface="+mn-lt"/>
+              </a:rPr>
+              <a:t>New </a:t>
+            </a:r>
+            <a:r>
+              <a:rPr lang="en-US" sz="2400" dirty="0" err="1">
+                <a:ea typeface="+mn-lt"/>
+                <a:cs typeface="+mn-lt"/>
+              </a:rPr>
+              <a:t>unlabelled</a:t>
+            </a:r>
+            <a:r>
+              <a:rPr lang="en-US" sz="2400" dirty="0">
+                <a:ea typeface="+mn-lt"/>
+                <a:cs typeface="+mn-lt"/>
+              </a:rPr>
+              <a:t> observations upon which search </a:t>
+            </a:r>
+            <a:br>
+              <a:rPr lang="en-US" sz="2400" dirty="0">
+                <a:ea typeface="+mn-lt"/>
+                <a:cs typeface="+mn-lt"/>
+              </a:rPr>
+            </a:br>
+            <a:r>
+              <a:rPr lang="en-US" sz="2400" dirty="0">
+                <a:ea typeface="+mn-lt"/>
+                <a:cs typeface="+mn-lt"/>
+              </a:rPr>
+              <a:t>is performed are the </a:t>
+            </a:r>
+            <a:r>
+              <a:rPr lang="en-US" sz="2400" i="1" dirty="0">
+                <a:ea typeface="+mn-lt"/>
+                <a:cs typeface="+mn-lt"/>
+              </a:rPr>
+              <a:t>query</a:t>
+            </a:r>
+            <a:endParaRPr lang="en-US" sz="2400" dirty="0"/>
+          </a:p>
+        </p:txBody>
+      </p:sp>
+      <p:pic>
+        <p:nvPicPr>
+          <p:cNvPr id="3" name="Picture 2" descr="A diagram of a network&#10;&#10;AI-generated content may be incorrect.">
+            <a:extLst>
+              <a:ext uri="{FF2B5EF4-FFF2-40B4-BE49-F238E27FC236}">
+                <a16:creationId xmlns:a16="http://schemas.microsoft.com/office/drawing/2014/main" id="{242FD46B-AE50-B428-D891-0193CCA21F42}"/>
+              </a:ext>
+            </a:extLst>
+          </p:cNvPr>
+          <p:cNvPicPr>
+            <a:picLocks noChangeAspect="1"/>
+          </p:cNvPicPr>
+          <p:nvPr/>
+        </p:nvPicPr>
+        <p:blipFill>
+          <a:blip r:embed="rId2"/>
+          <a:stretch>
+            <a:fillRect/>
+          </a:stretch>
+        </p:blipFill>
+        <p:spPr>
+          <a:xfrm>
+            <a:off x="8115654" y="3863270"/>
+            <a:ext cx="3242027" cy="2320572"/>
+          </a:xfrm>
+          <a:prstGeom prst="rect">
+            <a:avLst/>
+          </a:prstGeom>
+        </p:spPr>
+      </p:pic>
+    </p:spTree>
+    <p:extLst>
+      <p:ext uri="{BB962C8B-B14F-4D97-AF65-F5344CB8AC3E}">
+        <p14:creationId xmlns:p14="http://schemas.microsoft.com/office/powerpoint/2010/main" val="3172728763"/>
+      </p:ext>
+    </p:extLst>
+  </p:cSld>
+  <p:clrMapOvr>
+    <a:masterClrMapping/>
+  </p:clrMapOvr>
+</p:sld>
+</file>
+
+<file path=ppt/slides/slide11.xml><?xml version="1.0" encoding="utf-8"?>
+<p:sld xmlns:a="http://schemas.openxmlformats.org/drawingml/2006/main" xmlns:r="http://schemas.openxmlformats.org/officeDocument/2006/relationships" xmlns:p="http://schemas.openxmlformats.org/presentationml/2006/main">
+  <p:cSld>
+    <p:spTree>
+      <p:nvGrpSpPr>
+        <p:cNvPr id="1" name="">
+          <a:extLst>
+            <a:ext uri="{FF2B5EF4-FFF2-40B4-BE49-F238E27FC236}">
               <a16:creationId xmlns:a16="http://schemas.microsoft.com/office/drawing/2014/main" id="{154BA778-118B-9A8F-BEFC-6B0DBD50B150}"/>
             </a:ext>
           </a:extLst>
@@ -3363,7 +3640,7 @@
 </p:sld>
 </file>
 
-<file path=ppt/slides/slide11.xml><?xml version="1.0" encoding="utf-8"?>
+<file path=ppt/slides/slide12.xml><?xml version="1.0" encoding="utf-8"?>
 <p:sld xmlns:a="http://schemas.openxmlformats.org/drawingml/2006/main" xmlns:r="http://schemas.openxmlformats.org/officeDocument/2006/relationships" xmlns:p="http://schemas.openxmlformats.org/presentationml/2006/main">
   <p:cSld>
     <p:spTree>
@@ -3753,7 +4030,7 @@
 </p:sld>
 </file>
 
-<file path=ppt/slides/slide12.xml><?xml version="1.0" encoding="utf-8"?>
+<file path=ppt/slides/slide13.xml><?xml version="1.0" encoding="utf-8"?>
 <p:sld xmlns:a="http://schemas.openxmlformats.org/drawingml/2006/main" xmlns:r="http://schemas.openxmlformats.org/officeDocument/2006/relationships" xmlns:p="http://schemas.openxmlformats.org/presentationml/2006/main">
   <p:cSld>
     <p:spTree>
@@ -4082,7 +4359,7 @@
 </p:sld>
 </file>
 
-<file path=ppt/slides/slide13.xml><?xml version="1.0" encoding="utf-8"?>
+<file path=ppt/slides/slide14.xml><?xml version="1.0" encoding="utf-8"?>
 <p:sld xmlns:a="http://schemas.openxmlformats.org/drawingml/2006/main" xmlns:r="http://schemas.openxmlformats.org/officeDocument/2006/relationships" xmlns:p="http://schemas.openxmlformats.org/presentationml/2006/main">
   <p:cSld>
     <p:spTree>
@@ -4414,6 +4691,979 @@
 </p:sld>
 </file>
 
+<file path=ppt/slides/slide15.xml><?xml version="1.0" encoding="utf-8"?>
+<p:sld xmlns:a="http://schemas.openxmlformats.org/drawingml/2006/main" xmlns:r="http://schemas.openxmlformats.org/officeDocument/2006/relationships" xmlns:p="http://schemas.openxmlformats.org/presentationml/2006/main">
+  <p:cSld>
+    <p:spTree>
+      <p:nvGrpSpPr>
+        <p:cNvPr id="1" name="">
+          <a:extLst>
+            <a:ext uri="{FF2B5EF4-FFF2-40B4-BE49-F238E27FC236}">
+              <a16:creationId xmlns:a16="http://schemas.microsoft.com/office/drawing/2014/main" id="{8DE8E6ED-32F5-F68B-225F-A72C1F8EC646}"/>
+            </a:ext>
+          </a:extLst>
+        </p:cNvPr>
+        <p:cNvGrpSpPr/>
+        <p:nvPr/>
+      </p:nvGrpSpPr>
+      <p:grpSpPr>
+        <a:xfrm>
+          <a:off x="0" y="0"/>
+          <a:ext cx="0" cy="0"/>
+          <a:chOff x="0" y="0"/>
+          <a:chExt cx="0" cy="0"/>
+        </a:xfrm>
+      </p:grpSpPr>
+      <p:sp>
+        <p:nvSpPr>
+          <p:cNvPr id="2" name="Title 1">
+            <a:extLst>
+              <a:ext uri="{FF2B5EF4-FFF2-40B4-BE49-F238E27FC236}">
+                <a16:creationId xmlns:a16="http://schemas.microsoft.com/office/drawing/2014/main" id="{E01ECE77-7658-645A-9ECF-1BB077CA59B5}"/>
+              </a:ext>
+            </a:extLst>
+          </p:cNvPr>
+          <p:cNvSpPr>
+            <a:spLocks noGrp="1"/>
+          </p:cNvSpPr>
+          <p:nvPr>
+            <p:ph type="title"/>
+          </p:nvPr>
+        </p:nvSpPr>
+        <p:spPr/>
+        <p:txBody>
+          <a:bodyPr>
+            <a:normAutofit/>
+          </a:bodyPr>
+          <a:lstStyle/>
+          <a:p>
+            <a:r>
+              <a:rPr lang="en-US" dirty="0">
+                <a:latin typeface="Aptos"/>
+              </a:rPr>
+              <a:t>Decision trees</a:t>
+            </a:r>
+            <a:endParaRPr lang="en-US" dirty="0"/>
+          </a:p>
+        </p:txBody>
+      </p:sp>
+      <p:sp>
+        <p:nvSpPr>
+          <p:cNvPr id="3" name="Content Placeholder 2">
+            <a:extLst>
+              <a:ext uri="{FF2B5EF4-FFF2-40B4-BE49-F238E27FC236}">
+                <a16:creationId xmlns:a16="http://schemas.microsoft.com/office/drawing/2014/main" id="{91D6AD58-F606-5883-886C-C4970BCB644E}"/>
+              </a:ext>
+            </a:extLst>
+          </p:cNvPr>
+          <p:cNvSpPr>
+            <a:spLocks noGrp="1"/>
+          </p:cNvSpPr>
+          <p:nvPr>
+            <p:ph idx="1"/>
+          </p:nvPr>
+        </p:nvSpPr>
+        <p:spPr/>
+        <p:txBody>
+          <a:bodyPr vert="horz" lIns="91440" tIns="45720" rIns="91440" bIns="45720" rtlCol="0" anchor="t">
+            <a:noAutofit/>
+          </a:bodyPr>
+          <a:lstStyle/>
+          <a:p>
+            <a:pPr>
+              <a:buFont typeface="Arial"/>
+              <a:buChar char="•"/>
+            </a:pPr>
+            <a:r>
+              <a:rPr lang="en-US" dirty="0">
+                <a:ea typeface="+mn-lt"/>
+                <a:cs typeface="+mn-lt"/>
+              </a:rPr>
+              <a:t>A decision tree is a non-parametric supervised learning algorithm, which is utilized for both classification and regression tasks. </a:t>
+            </a:r>
+          </a:p>
+          <a:p>
+            <a:pPr>
+              <a:buFont typeface="Arial"/>
+              <a:buChar char="•"/>
+            </a:pPr>
+            <a:r>
+              <a:rPr lang="en-US" dirty="0">
+                <a:ea typeface="+mn-lt"/>
+                <a:cs typeface="+mn-lt"/>
+              </a:rPr>
+              <a:t>It has a hierarchical, tree structure, which consists of a root node, branches, internal nodes and leaf nodes.</a:t>
+            </a:r>
+            <a:endParaRPr lang="en-US" dirty="0"/>
+          </a:p>
+        </p:txBody>
+      </p:sp>
+      <p:pic>
+        <p:nvPicPr>
+          <p:cNvPr id="6" name="Picture 5" descr="A diagram of a weather&#10;&#10;AI-generated content may be incorrect.">
+            <a:extLst>
+              <a:ext uri="{FF2B5EF4-FFF2-40B4-BE49-F238E27FC236}">
+                <a16:creationId xmlns:a16="http://schemas.microsoft.com/office/drawing/2014/main" id="{037CDA3F-9C48-2F0D-F3E8-E443BEE22DC6}"/>
+              </a:ext>
+            </a:extLst>
+          </p:cNvPr>
+          <p:cNvPicPr>
+            <a:picLocks noChangeAspect="1"/>
+          </p:cNvPicPr>
+          <p:nvPr/>
+        </p:nvPicPr>
+        <p:blipFill>
+          <a:blip r:embed="rId2"/>
+          <a:stretch>
+            <a:fillRect/>
+          </a:stretch>
+        </p:blipFill>
+        <p:spPr>
+          <a:xfrm>
+            <a:off x="3864949" y="3539992"/>
+            <a:ext cx="4450205" cy="2632493"/>
+          </a:xfrm>
+          <a:prstGeom prst="rect">
+            <a:avLst/>
+          </a:prstGeom>
+        </p:spPr>
+      </p:pic>
+    </p:spTree>
+    <p:extLst>
+      <p:ext uri="{BB962C8B-B14F-4D97-AF65-F5344CB8AC3E}">
+        <p14:creationId xmlns:p14="http://schemas.microsoft.com/office/powerpoint/2010/main" val="1323435215"/>
+      </p:ext>
+    </p:extLst>
+  </p:cSld>
+  <p:clrMapOvr>
+    <a:masterClrMapping/>
+  </p:clrMapOvr>
+</p:sld>
+</file>
+
+<file path=ppt/slides/slide16.xml><?xml version="1.0" encoding="utf-8"?>
+<p:sld xmlns:a="http://schemas.openxmlformats.org/drawingml/2006/main" xmlns:r="http://schemas.openxmlformats.org/officeDocument/2006/relationships" xmlns:p="http://schemas.openxmlformats.org/presentationml/2006/main">
+  <p:cSld>
+    <p:spTree>
+      <p:nvGrpSpPr>
+        <p:cNvPr id="1" name="">
+          <a:extLst>
+            <a:ext uri="{FF2B5EF4-FFF2-40B4-BE49-F238E27FC236}">
+              <a16:creationId xmlns:a16="http://schemas.microsoft.com/office/drawing/2014/main" id="{097482E9-05C1-F673-1A00-223ADAED5551}"/>
+            </a:ext>
+          </a:extLst>
+        </p:cNvPr>
+        <p:cNvGrpSpPr/>
+        <p:nvPr/>
+      </p:nvGrpSpPr>
+      <p:grpSpPr>
+        <a:xfrm>
+          <a:off x="0" y="0"/>
+          <a:ext cx="0" cy="0"/>
+          <a:chOff x="0" y="0"/>
+          <a:chExt cx="0" cy="0"/>
+        </a:xfrm>
+      </p:grpSpPr>
+      <p:sp>
+        <p:nvSpPr>
+          <p:cNvPr id="2" name="Title 1">
+            <a:extLst>
+              <a:ext uri="{FF2B5EF4-FFF2-40B4-BE49-F238E27FC236}">
+                <a16:creationId xmlns:a16="http://schemas.microsoft.com/office/drawing/2014/main" id="{C661A89C-4249-15DC-B49B-667E894339AD}"/>
+              </a:ext>
+            </a:extLst>
+          </p:cNvPr>
+          <p:cNvSpPr>
+            <a:spLocks noGrp="1"/>
+          </p:cNvSpPr>
+          <p:nvPr>
+            <p:ph type="title"/>
+          </p:nvPr>
+        </p:nvSpPr>
+        <p:spPr/>
+        <p:txBody>
+          <a:bodyPr>
+            <a:normAutofit/>
+          </a:bodyPr>
+          <a:lstStyle/>
+          <a:p>
+            <a:r>
+              <a:rPr lang="en-US" dirty="0">
+                <a:latin typeface="Aptos Display"/>
+              </a:rPr>
+              <a:t>Random Forest</a:t>
+            </a:r>
+            <a:endParaRPr lang="en-US" dirty="0"/>
+          </a:p>
+        </p:txBody>
+      </p:sp>
+      <p:sp>
+        <p:nvSpPr>
+          <p:cNvPr id="4" name="Content Placeholder 3">
+            <a:extLst>
+              <a:ext uri="{FF2B5EF4-FFF2-40B4-BE49-F238E27FC236}">
+                <a16:creationId xmlns:a16="http://schemas.microsoft.com/office/drawing/2014/main" id="{CECABD80-5666-A89F-44E7-B1DC5381E6A9}"/>
+              </a:ext>
+            </a:extLst>
+          </p:cNvPr>
+          <p:cNvSpPr>
+            <a:spLocks noGrp="1"/>
+          </p:cNvSpPr>
+          <p:nvPr>
+            <p:ph idx="1"/>
+          </p:nvPr>
+        </p:nvSpPr>
+        <p:spPr/>
+        <p:txBody>
+          <a:bodyPr vert="horz" lIns="91440" tIns="45720" rIns="91440" bIns="45720" rtlCol="0" anchor="t">
+            <a:normAutofit/>
+          </a:bodyPr>
+          <a:lstStyle/>
+          <a:p>
+            <a:r>
+              <a:rPr lang="en-US" dirty="0">
+                <a:ea typeface="+mn-lt"/>
+                <a:cs typeface="+mn-lt"/>
+              </a:rPr>
+              <a:t>With random forests we learn multiple independent decision trees and use a consensus method to predict the unknown samples</a:t>
+            </a:r>
+          </a:p>
+          <a:p>
+            <a:r>
+              <a:rPr lang="en-US" dirty="0">
+                <a:ea typeface="+mn-lt"/>
+                <a:cs typeface="+mn-lt"/>
+              </a:rPr>
+              <a:t>Random forests use bagging and feature subsampling to make sure that no two resulting decision trees are the same</a:t>
+            </a:r>
+            <a:endParaRPr lang="en-US" dirty="0"/>
+          </a:p>
+        </p:txBody>
+      </p:sp>
+      <p:pic>
+        <p:nvPicPr>
+          <p:cNvPr id="5" name="Picture 4" descr="A diagram of a tree">
+            <a:extLst>
+              <a:ext uri="{FF2B5EF4-FFF2-40B4-BE49-F238E27FC236}">
+                <a16:creationId xmlns:a16="http://schemas.microsoft.com/office/drawing/2014/main" id="{456C4029-CACE-260B-EADF-5314E2184C40}"/>
+              </a:ext>
+            </a:extLst>
+          </p:cNvPr>
+          <p:cNvPicPr>
+            <a:picLocks noChangeAspect="1"/>
+          </p:cNvPicPr>
+          <p:nvPr/>
+        </p:nvPicPr>
+        <p:blipFill>
+          <a:blip r:embed="rId2"/>
+          <a:srcRect t="13531" r="-495" b="9241"/>
+          <a:stretch>
+            <a:fillRect/>
+          </a:stretch>
+        </p:blipFill>
+        <p:spPr>
+          <a:xfrm>
+            <a:off x="3727360" y="3450196"/>
+            <a:ext cx="4742214" cy="2736361"/>
+          </a:xfrm>
+          <a:prstGeom prst="rect">
+            <a:avLst/>
+          </a:prstGeom>
+        </p:spPr>
+      </p:pic>
+      <p:sp>
+        <p:nvSpPr>
+          <p:cNvPr id="6" name="TextBox 5">
+            <a:extLst>
+              <a:ext uri="{FF2B5EF4-FFF2-40B4-BE49-F238E27FC236}">
+                <a16:creationId xmlns:a16="http://schemas.microsoft.com/office/drawing/2014/main" id="{BDEEF4EE-4889-1803-677B-D92BC1B51B11}"/>
+              </a:ext>
+            </a:extLst>
+          </p:cNvPr>
+          <p:cNvSpPr txBox="1"/>
+          <p:nvPr/>
+        </p:nvSpPr>
+        <p:spPr>
+          <a:xfrm>
+            <a:off x="8620259" y="5550794"/>
+            <a:ext cx="2732468" cy="646331"/>
+          </a:xfrm>
+          <a:prstGeom prst="rect">
+            <a:avLst/>
+          </a:prstGeom>
+          <a:noFill/>
+        </p:spPr>
+        <p:txBody>
+          <a:bodyPr rot="0" spcFirstLastPara="0" vertOverflow="overflow" horzOverflow="overflow" vert="horz" wrap="square" lIns="91440" tIns="45720" rIns="91440" bIns="45720" numCol="1" spcCol="0" rtlCol="0" fromWordArt="0" anchor="t" anchorCtr="0" forceAA="0" compatLnSpc="1">
+            <a:prstTxWarp prst="textNoShape">
+              <a:avLst/>
+            </a:prstTxWarp>
+            <a:spAutoFit/>
+          </a:bodyPr>
+          <a:lstStyle/>
+          <a:p>
+            <a:r>
+              <a:rPr lang="en-US" sz="1200" dirty="0"/>
+              <a:t>https://williamkoehrsen.medium.com/random-forest-simple-explanation-377895a60d2d</a:t>
+            </a:r>
+          </a:p>
+        </p:txBody>
+      </p:sp>
+    </p:spTree>
+    <p:extLst>
+      <p:ext uri="{BB962C8B-B14F-4D97-AF65-F5344CB8AC3E}">
+        <p14:creationId xmlns:p14="http://schemas.microsoft.com/office/powerpoint/2010/main" val="384430093"/>
+      </p:ext>
+    </p:extLst>
+  </p:cSld>
+  <p:clrMapOvr>
+    <a:masterClrMapping/>
+  </p:clrMapOvr>
+</p:sld>
+</file>
+
+<file path=ppt/slides/slide17.xml><?xml version="1.0" encoding="utf-8"?>
+<p:sld xmlns:a="http://schemas.openxmlformats.org/drawingml/2006/main" xmlns:r="http://schemas.openxmlformats.org/officeDocument/2006/relationships" xmlns:p="http://schemas.openxmlformats.org/presentationml/2006/main">
+  <p:cSld>
+    <p:spTree>
+      <p:nvGrpSpPr>
+        <p:cNvPr id="1" name="">
+          <a:extLst>
+            <a:ext uri="{FF2B5EF4-FFF2-40B4-BE49-F238E27FC236}">
+              <a16:creationId xmlns:a16="http://schemas.microsoft.com/office/drawing/2014/main" id="{2ADB9C75-1F16-B296-51F7-B7A465C23E5D}"/>
+            </a:ext>
+          </a:extLst>
+        </p:cNvPr>
+        <p:cNvGrpSpPr/>
+        <p:nvPr/>
+      </p:nvGrpSpPr>
+      <p:grpSpPr>
+        <a:xfrm>
+          <a:off x="0" y="0"/>
+          <a:ext cx="0" cy="0"/>
+          <a:chOff x="0" y="0"/>
+          <a:chExt cx="0" cy="0"/>
+        </a:xfrm>
+      </p:grpSpPr>
+      <p:sp>
+        <p:nvSpPr>
+          <p:cNvPr id="2" name="Title 1">
+            <a:extLst>
+              <a:ext uri="{FF2B5EF4-FFF2-40B4-BE49-F238E27FC236}">
+                <a16:creationId xmlns:a16="http://schemas.microsoft.com/office/drawing/2014/main" id="{101C59A3-4A74-F7D6-3930-8A32E80F1FB3}"/>
+              </a:ext>
+            </a:extLst>
+          </p:cNvPr>
+          <p:cNvSpPr>
+            <a:spLocks noGrp="1"/>
+          </p:cNvSpPr>
+          <p:nvPr>
+            <p:ph type="title"/>
+          </p:nvPr>
+        </p:nvSpPr>
+        <p:spPr/>
+        <p:txBody>
+          <a:bodyPr>
+            <a:normAutofit/>
+          </a:bodyPr>
+          <a:lstStyle/>
+          <a:p>
+            <a:r>
+              <a:rPr lang="en-US" dirty="0">
+                <a:latin typeface="Aptos Display"/>
+              </a:rPr>
+              <a:t>Random Forest</a:t>
+            </a:r>
+            <a:endParaRPr lang="en-US" dirty="0"/>
+          </a:p>
+        </p:txBody>
+      </p:sp>
+      <p:sp>
+        <p:nvSpPr>
+          <p:cNvPr id="4" name="Content Placeholder 3">
+            <a:extLst>
+              <a:ext uri="{FF2B5EF4-FFF2-40B4-BE49-F238E27FC236}">
+                <a16:creationId xmlns:a16="http://schemas.microsoft.com/office/drawing/2014/main" id="{E3FF4348-F166-6D9D-E924-93689C04E9B3}"/>
+              </a:ext>
+            </a:extLst>
+          </p:cNvPr>
+          <p:cNvSpPr>
+            <a:spLocks noGrp="1"/>
+          </p:cNvSpPr>
+          <p:nvPr>
+            <p:ph idx="1"/>
+          </p:nvPr>
+        </p:nvSpPr>
+        <p:spPr/>
+        <p:txBody>
+          <a:bodyPr vert="horz" lIns="91440" tIns="45720" rIns="91440" bIns="45720" rtlCol="0" anchor="t">
+            <a:normAutofit/>
+          </a:bodyPr>
+          <a:lstStyle/>
+          <a:p>
+            <a:r>
+              <a:rPr lang="en-US" dirty="0">
+                <a:ea typeface="+mn-lt"/>
+                <a:cs typeface="+mn-lt"/>
+              </a:rPr>
+              <a:t>With bagging, each decision tree is trained upon a different sample, with the replacement of the original dataset. </a:t>
+            </a:r>
+          </a:p>
+        </p:txBody>
+      </p:sp>
+      <p:pic>
+        <p:nvPicPr>
+          <p:cNvPr id="3" name="Picture 2" descr="A diagram of a graph and diagram of a graph&#10;&#10;AI-generated content may be incorrect.">
+            <a:extLst>
+              <a:ext uri="{FF2B5EF4-FFF2-40B4-BE49-F238E27FC236}">
+                <a16:creationId xmlns:a16="http://schemas.microsoft.com/office/drawing/2014/main" id="{68D8DEC4-CAEF-6282-F43A-0CD3C7AB5F09}"/>
+              </a:ext>
+            </a:extLst>
+          </p:cNvPr>
+          <p:cNvPicPr>
+            <a:picLocks noChangeAspect="1"/>
+          </p:cNvPicPr>
+          <p:nvPr/>
+        </p:nvPicPr>
+        <p:blipFill>
+          <a:blip r:embed="rId2"/>
+          <a:stretch>
+            <a:fillRect/>
+          </a:stretch>
+        </p:blipFill>
+        <p:spPr>
+          <a:xfrm>
+            <a:off x="843566" y="2671292"/>
+            <a:ext cx="6222643" cy="3511640"/>
+          </a:xfrm>
+          <a:prstGeom prst="rect">
+            <a:avLst/>
+          </a:prstGeom>
+        </p:spPr>
+      </p:pic>
+      <p:sp>
+        <p:nvSpPr>
+          <p:cNvPr id="5" name="TextBox 4">
+            <a:extLst>
+              <a:ext uri="{FF2B5EF4-FFF2-40B4-BE49-F238E27FC236}">
+                <a16:creationId xmlns:a16="http://schemas.microsoft.com/office/drawing/2014/main" id="{B8501E07-A574-41FE-56D9-0117700D55AD}"/>
+              </a:ext>
+            </a:extLst>
+          </p:cNvPr>
+          <p:cNvSpPr txBox="1"/>
+          <p:nvPr/>
+        </p:nvSpPr>
+        <p:spPr>
+          <a:xfrm>
+            <a:off x="7053330" y="5250288"/>
+            <a:ext cx="4299397" cy="646331"/>
+          </a:xfrm>
+          <a:prstGeom prst="rect">
+            <a:avLst/>
+          </a:prstGeom>
+          <a:noFill/>
+        </p:spPr>
+        <p:txBody>
+          <a:bodyPr rot="0" spcFirstLastPara="0" vertOverflow="overflow" horzOverflow="overflow" vert="horz" wrap="square" lIns="91440" tIns="45720" rIns="91440" bIns="45720" numCol="1" spcCol="0" rtlCol="0" fromWordArt="0" anchor="t" anchorCtr="0" forceAA="0" compatLnSpc="1">
+            <a:prstTxWarp prst="textNoShape">
+              <a:avLst/>
+            </a:prstTxWarp>
+            <a:spAutoFit/>
+          </a:bodyPr>
+          <a:lstStyle/>
+          <a:p>
+            <a:r>
+              <a:rPr lang="en-US"/>
+              <a:t>https://spotintelligence.com/2024/03/18/bagging-boosting-stacking/</a:t>
+            </a:r>
+          </a:p>
+        </p:txBody>
+      </p:sp>
+    </p:spTree>
+    <p:extLst>
+      <p:ext uri="{BB962C8B-B14F-4D97-AF65-F5344CB8AC3E}">
+        <p14:creationId xmlns:p14="http://schemas.microsoft.com/office/powerpoint/2010/main" val="1708185678"/>
+      </p:ext>
+    </p:extLst>
+  </p:cSld>
+  <p:clrMapOvr>
+    <a:masterClrMapping/>
+  </p:clrMapOvr>
+</p:sld>
+</file>
+
+<file path=ppt/slides/slide18.xml><?xml version="1.0" encoding="utf-8"?>
+<p:sld xmlns:a="http://schemas.openxmlformats.org/drawingml/2006/main" xmlns:r="http://schemas.openxmlformats.org/officeDocument/2006/relationships" xmlns:p="http://schemas.openxmlformats.org/presentationml/2006/main">
+  <p:cSld>
+    <p:spTree>
+      <p:nvGrpSpPr>
+        <p:cNvPr id="1" name="">
+          <a:extLst>
+            <a:ext uri="{FF2B5EF4-FFF2-40B4-BE49-F238E27FC236}">
+              <a16:creationId xmlns:a16="http://schemas.microsoft.com/office/drawing/2014/main" id="{EBA8E119-A54C-D52C-DA2B-A15457CD539C}"/>
+            </a:ext>
+          </a:extLst>
+        </p:cNvPr>
+        <p:cNvGrpSpPr/>
+        <p:nvPr/>
+      </p:nvGrpSpPr>
+      <p:grpSpPr>
+        <a:xfrm>
+          <a:off x="0" y="0"/>
+          <a:ext cx="0" cy="0"/>
+          <a:chOff x="0" y="0"/>
+          <a:chExt cx="0" cy="0"/>
+        </a:xfrm>
+      </p:grpSpPr>
+      <p:sp>
+        <p:nvSpPr>
+          <p:cNvPr id="2" name="Title 1">
+            <a:extLst>
+              <a:ext uri="{FF2B5EF4-FFF2-40B4-BE49-F238E27FC236}">
+                <a16:creationId xmlns:a16="http://schemas.microsoft.com/office/drawing/2014/main" id="{BC204A87-4A69-BDCA-DA24-761BDDA9BDAA}"/>
+              </a:ext>
+            </a:extLst>
+          </p:cNvPr>
+          <p:cNvSpPr>
+            <a:spLocks noGrp="1"/>
+          </p:cNvSpPr>
+          <p:nvPr>
+            <p:ph type="title"/>
+          </p:nvPr>
+        </p:nvSpPr>
+        <p:spPr/>
+        <p:txBody>
+          <a:bodyPr>
+            <a:normAutofit/>
+          </a:bodyPr>
+          <a:lstStyle/>
+          <a:p>
+            <a:r>
+              <a:rPr lang="en-US" dirty="0" err="1"/>
+              <a:t>XGBoost</a:t>
+            </a:r>
+          </a:p>
+        </p:txBody>
+      </p:sp>
+      <p:sp>
+        <p:nvSpPr>
+          <p:cNvPr id="4" name="Content Placeholder 3">
+            <a:extLst>
+              <a:ext uri="{FF2B5EF4-FFF2-40B4-BE49-F238E27FC236}">
+                <a16:creationId xmlns:a16="http://schemas.microsoft.com/office/drawing/2014/main" id="{46B72ABF-EF89-1068-81CE-8CE5A19C1815}"/>
+              </a:ext>
+            </a:extLst>
+          </p:cNvPr>
+          <p:cNvSpPr>
+            <a:spLocks noGrp="1"/>
+          </p:cNvSpPr>
+          <p:nvPr>
+            <p:ph idx="1"/>
+          </p:nvPr>
+        </p:nvSpPr>
+        <p:spPr/>
+        <p:txBody>
+          <a:bodyPr vert="horz" lIns="91440" tIns="45720" rIns="91440" bIns="45720" rtlCol="0" anchor="t">
+            <a:normAutofit/>
+          </a:bodyPr>
+          <a:lstStyle/>
+          <a:p>
+            <a:pPr>
+              <a:buFont typeface="Arial,Sans-Serif" panose="020B0604020202020204" pitchFamily="34" charset="0"/>
+            </a:pPr>
+            <a:r>
+              <a:rPr lang="en-US" dirty="0" err="1">
+                <a:ea typeface="+mn-lt"/>
+                <a:cs typeface="+mn-lt"/>
+              </a:rPr>
+              <a:t>XGBoost</a:t>
+            </a:r>
+            <a:r>
+              <a:rPr lang="en-US" dirty="0">
+                <a:ea typeface="+mn-lt"/>
+                <a:cs typeface="+mn-lt"/>
+              </a:rPr>
+              <a:t> uses a boosting technique, building trees sequentially and correcting errors of previous trees. </a:t>
+            </a:r>
+          </a:p>
+          <a:p>
+            <a:pPr>
+              <a:buFont typeface="Arial,Sans-Serif" panose="020B0604020202020204" pitchFamily="34" charset="0"/>
+            </a:pPr>
+            <a:r>
+              <a:rPr lang="en-US" err="1">
+                <a:ea typeface="+mn-lt"/>
+                <a:cs typeface="+mn-lt"/>
+              </a:rPr>
+              <a:t>XGBoost</a:t>
+            </a:r>
+            <a:r>
+              <a:rPr lang="en-US" dirty="0">
+                <a:ea typeface="+mn-lt"/>
+                <a:cs typeface="+mn-lt"/>
+              </a:rPr>
+              <a:t> is generally more accurate and efficient than random forest, especially with complex datasets, but requires more tuning and can be slower to train.</a:t>
+            </a:r>
+          </a:p>
+        </p:txBody>
+      </p:sp>
+      <p:sp>
+        <p:nvSpPr>
+          <p:cNvPr id="5" name="TextBox 4">
+            <a:extLst>
+              <a:ext uri="{FF2B5EF4-FFF2-40B4-BE49-F238E27FC236}">
+                <a16:creationId xmlns:a16="http://schemas.microsoft.com/office/drawing/2014/main" id="{EB4AE053-2865-0A78-6160-04F4F18CB7A2}"/>
+              </a:ext>
+            </a:extLst>
+          </p:cNvPr>
+          <p:cNvSpPr txBox="1"/>
+          <p:nvPr/>
+        </p:nvSpPr>
+        <p:spPr>
+          <a:xfrm>
+            <a:off x="839274" y="5540063"/>
+            <a:ext cx="4299397" cy="646331"/>
+          </a:xfrm>
+          <a:prstGeom prst="rect">
+            <a:avLst/>
+          </a:prstGeom>
+          <a:noFill/>
+        </p:spPr>
+        <p:txBody>
+          <a:bodyPr rot="0" spcFirstLastPara="0" vertOverflow="overflow" horzOverflow="overflow" vert="horz" wrap="square" lIns="91440" tIns="45720" rIns="91440" bIns="45720" numCol="1" spcCol="0" rtlCol="0" fromWordArt="0" anchor="t" anchorCtr="0" forceAA="0" compatLnSpc="1">
+            <a:prstTxWarp prst="textNoShape">
+              <a:avLst/>
+            </a:prstTxWarp>
+            <a:spAutoFit/>
+          </a:bodyPr>
+          <a:lstStyle/>
+          <a:p>
+            <a:r>
+              <a:rPr lang="en-US"/>
+              <a:t>https://spotintelligence.com/2024/03/18/bagging-boosting-stacking/</a:t>
+            </a:r>
+          </a:p>
+        </p:txBody>
+      </p:sp>
+      <p:pic>
+        <p:nvPicPr>
+          <p:cNvPr id="6" name="Picture 5" descr="A diagram of a model&#10;&#10;AI-generated content may be incorrect.">
+            <a:extLst>
+              <a:ext uri="{FF2B5EF4-FFF2-40B4-BE49-F238E27FC236}">
+                <a16:creationId xmlns:a16="http://schemas.microsoft.com/office/drawing/2014/main" id="{0D62B1AB-D5D9-557E-6348-A2B0EF466B94}"/>
+              </a:ext>
+            </a:extLst>
+          </p:cNvPr>
+          <p:cNvPicPr>
+            <a:picLocks noChangeAspect="1"/>
+          </p:cNvPicPr>
+          <p:nvPr/>
+        </p:nvPicPr>
+        <p:blipFill>
+          <a:blip r:embed="rId2"/>
+          <a:stretch>
+            <a:fillRect/>
+          </a:stretch>
+        </p:blipFill>
+        <p:spPr>
+          <a:xfrm>
+            <a:off x="6681988" y="3540616"/>
+            <a:ext cx="4687910" cy="2642316"/>
+          </a:xfrm>
+          <a:prstGeom prst="rect">
+            <a:avLst/>
+          </a:prstGeom>
+        </p:spPr>
+      </p:pic>
+    </p:spTree>
+    <p:extLst>
+      <p:ext uri="{BB962C8B-B14F-4D97-AF65-F5344CB8AC3E}">
+        <p14:creationId xmlns:p14="http://schemas.microsoft.com/office/powerpoint/2010/main" val="3632073662"/>
+      </p:ext>
+    </p:extLst>
+  </p:cSld>
+  <p:clrMapOvr>
+    <a:masterClrMapping/>
+  </p:clrMapOvr>
+</p:sld>
+</file>
+
+<file path=ppt/slides/slide19.xml><?xml version="1.0" encoding="utf-8"?>
+<p:sld xmlns:a="http://schemas.openxmlformats.org/drawingml/2006/main" xmlns:r="http://schemas.openxmlformats.org/officeDocument/2006/relationships" xmlns:p="http://schemas.openxmlformats.org/presentationml/2006/main">
+  <p:cSld>
+    <p:spTree>
+      <p:nvGrpSpPr>
+        <p:cNvPr id="1" name="">
+          <a:extLst>
+            <a:ext uri="{FF2B5EF4-FFF2-40B4-BE49-F238E27FC236}">
+              <a16:creationId xmlns:a16="http://schemas.microsoft.com/office/drawing/2014/main" id="{F9750604-F3F7-2623-67C2-BCA533444896}"/>
+            </a:ext>
+          </a:extLst>
+        </p:cNvPr>
+        <p:cNvGrpSpPr/>
+        <p:nvPr/>
+      </p:nvGrpSpPr>
+      <p:grpSpPr>
+        <a:xfrm>
+          <a:off x="0" y="0"/>
+          <a:ext cx="0" cy="0"/>
+          <a:chOff x="0" y="0"/>
+          <a:chExt cx="0" cy="0"/>
+        </a:xfrm>
+      </p:grpSpPr>
+      <p:sp>
+        <p:nvSpPr>
+          <p:cNvPr id="2" name="Title 1">
+            <a:extLst>
+              <a:ext uri="{FF2B5EF4-FFF2-40B4-BE49-F238E27FC236}">
+                <a16:creationId xmlns:a16="http://schemas.microsoft.com/office/drawing/2014/main" id="{2B640FBE-7D01-8320-BBC0-AB9B7F18830A}"/>
+              </a:ext>
+            </a:extLst>
+          </p:cNvPr>
+          <p:cNvSpPr>
+            <a:spLocks noGrp="1"/>
+          </p:cNvSpPr>
+          <p:nvPr>
+            <p:ph type="title"/>
+          </p:nvPr>
+        </p:nvSpPr>
+        <p:spPr/>
+        <p:txBody>
+          <a:bodyPr>
+            <a:normAutofit/>
+          </a:bodyPr>
+          <a:lstStyle/>
+          <a:p>
+            <a:r>
+              <a:rPr lang="en-US" dirty="0">
+                <a:latin typeface="Aptos"/>
+              </a:rPr>
+              <a:t>RAPIDS and </a:t>
+            </a:r>
+            <a:r>
+              <a:rPr lang="en-US" dirty="0" err="1">
+                <a:latin typeface="Aptos"/>
+              </a:rPr>
+              <a:t>XGBoost</a:t>
+            </a:r>
+            <a:endParaRPr lang="en-US" dirty="0" err="1"/>
+          </a:p>
+        </p:txBody>
+      </p:sp>
+      <p:sp>
+        <p:nvSpPr>
+          <p:cNvPr id="3" name="Content Placeholder 2">
+            <a:extLst>
+              <a:ext uri="{FF2B5EF4-FFF2-40B4-BE49-F238E27FC236}">
+                <a16:creationId xmlns:a16="http://schemas.microsoft.com/office/drawing/2014/main" id="{71DB251A-5D20-0671-3B42-2E832B903A2C}"/>
+              </a:ext>
+            </a:extLst>
+          </p:cNvPr>
+          <p:cNvSpPr>
+            <a:spLocks noGrp="1"/>
+          </p:cNvSpPr>
+          <p:nvPr>
+            <p:ph idx="1"/>
+          </p:nvPr>
+        </p:nvSpPr>
+        <p:spPr/>
+        <p:txBody>
+          <a:bodyPr vert="horz" lIns="91440" tIns="45720" rIns="91440" bIns="45720" rtlCol="0" anchor="t">
+            <a:noAutofit/>
+          </a:bodyPr>
+          <a:lstStyle/>
+          <a:p>
+            <a:pPr>
+              <a:buFont typeface="Arial"/>
+              <a:buChar char="•"/>
+            </a:pPr>
+            <a:r>
+              <a:rPr lang="en-US" dirty="0">
+                <a:ea typeface="+mn-lt"/>
+                <a:cs typeface="+mn-lt"/>
+              </a:rPr>
+              <a:t>RAPIDS works closely with the </a:t>
+            </a:r>
+            <a:r>
+              <a:rPr lang="en-US" dirty="0" err="1">
+                <a:ea typeface="+mn-lt"/>
+                <a:cs typeface="+mn-lt"/>
+              </a:rPr>
+              <a:t>XGBoost</a:t>
+            </a:r>
+            <a:r>
+              <a:rPr lang="en-US" dirty="0">
+                <a:ea typeface="+mn-lt"/>
+                <a:cs typeface="+mn-lt"/>
+              </a:rPr>
+              <a:t> community to </a:t>
+            </a:r>
+            <a:r>
+              <a:rPr lang="en-US" dirty="0" err="1">
+                <a:ea typeface="+mn-lt"/>
+                <a:cs typeface="+mn-lt"/>
+              </a:rPr>
+              <a:t>accelerateGradient</a:t>
+            </a:r>
+            <a:r>
+              <a:rPr lang="en-US" dirty="0">
+                <a:ea typeface="+mn-lt"/>
+                <a:cs typeface="+mn-lt"/>
+              </a:rPr>
+              <a:t> Boosted Decision Trees on GPU on GPU</a:t>
+            </a:r>
+            <a:endParaRPr lang="en-US" dirty="0"/>
+          </a:p>
+          <a:p>
+            <a:pPr>
+              <a:buFont typeface="Arial"/>
+              <a:buChar char="•"/>
+            </a:pPr>
+            <a:r>
+              <a:rPr lang="en-US" dirty="0" err="1">
+                <a:ea typeface="+mn-lt"/>
+                <a:cs typeface="+mn-lt"/>
+              </a:rPr>
+              <a:t>XGBoost</a:t>
+            </a:r>
+            <a:r>
+              <a:rPr lang="en-US" dirty="0">
+                <a:ea typeface="+mn-lt"/>
+                <a:cs typeface="+mn-lt"/>
+              </a:rPr>
+              <a:t> can load data from </a:t>
+            </a:r>
+            <a:r>
+              <a:rPr lang="en-US" dirty="0" err="1">
+                <a:ea typeface="+mn-lt"/>
+                <a:cs typeface="+mn-lt"/>
+              </a:rPr>
+              <a:t>cuDF</a:t>
+            </a:r>
+            <a:r>
+              <a:rPr lang="en-US" dirty="0">
+                <a:ea typeface="+mn-lt"/>
+                <a:cs typeface="+mn-lt"/>
+              </a:rPr>
+              <a:t> </a:t>
+            </a:r>
+            <a:r>
+              <a:rPr lang="en-US" dirty="0" err="1">
+                <a:ea typeface="+mn-lt"/>
+                <a:cs typeface="+mn-lt"/>
+              </a:rPr>
+              <a:t>dataframes</a:t>
+            </a:r>
+            <a:r>
+              <a:rPr lang="en-US" dirty="0">
+                <a:ea typeface="+mn-lt"/>
+                <a:cs typeface="+mn-lt"/>
+              </a:rPr>
+              <a:t> and </a:t>
+            </a:r>
+            <a:r>
+              <a:rPr lang="en-US" dirty="0" err="1">
+                <a:ea typeface="+mn-lt"/>
+                <a:cs typeface="+mn-lt"/>
+              </a:rPr>
+              <a:t>cuPy</a:t>
+            </a:r>
+            <a:r>
+              <a:rPr lang="en-US" dirty="0">
+                <a:ea typeface="+mn-lt"/>
+                <a:cs typeface="+mn-lt"/>
+              </a:rPr>
+              <a:t> arrays</a:t>
+            </a:r>
+            <a:endParaRPr lang="en-US" dirty="0"/>
+          </a:p>
+          <a:p>
+            <a:pPr>
+              <a:buFont typeface="Arial"/>
+              <a:buChar char="•"/>
+            </a:pPr>
+            <a:r>
+              <a:rPr lang="en-US" dirty="0" err="1">
+                <a:ea typeface="+mn-lt"/>
+                <a:cs typeface="+mn-lt"/>
+              </a:rPr>
+              <a:t>Dask</a:t>
+            </a:r>
+            <a:r>
+              <a:rPr lang="en-US" dirty="0">
+                <a:ea typeface="+mn-lt"/>
+                <a:cs typeface="+mn-lt"/>
+              </a:rPr>
+              <a:t> allows </a:t>
+            </a:r>
+            <a:r>
+              <a:rPr lang="en-US" dirty="0" err="1">
+                <a:ea typeface="+mn-lt"/>
+                <a:cs typeface="+mn-lt"/>
+              </a:rPr>
+              <a:t>XGBoost</a:t>
+            </a:r>
+            <a:r>
+              <a:rPr lang="en-US" dirty="0">
+                <a:ea typeface="+mn-lt"/>
+                <a:cs typeface="+mn-lt"/>
+              </a:rPr>
+              <a:t> to scale to arbitrary numbers of GPUs</a:t>
+            </a:r>
+            <a:endParaRPr lang="en-US" dirty="0"/>
+          </a:p>
+          <a:p>
+            <a:pPr>
+              <a:buFont typeface="Arial"/>
+              <a:buChar char="•"/>
+            </a:pPr>
+            <a:endParaRPr lang="en-US" dirty="0"/>
+          </a:p>
+        </p:txBody>
+      </p:sp>
+      <p:pic>
+        <p:nvPicPr>
+          <p:cNvPr id="4" name="Picture 3" descr="A purple rectangle and blue x">
+            <a:extLst>
+              <a:ext uri="{FF2B5EF4-FFF2-40B4-BE49-F238E27FC236}">
+                <a16:creationId xmlns:a16="http://schemas.microsoft.com/office/drawing/2014/main" id="{01528CE0-7D5E-C360-B3AD-50E4C48A7A4D}"/>
+              </a:ext>
+            </a:extLst>
+          </p:cNvPr>
+          <p:cNvPicPr>
+            <a:picLocks noChangeAspect="1"/>
+          </p:cNvPicPr>
+          <p:nvPr/>
+        </p:nvPicPr>
+        <p:blipFill>
+          <a:blip r:embed="rId2"/>
+          <a:stretch>
+            <a:fillRect/>
+          </a:stretch>
+        </p:blipFill>
+        <p:spPr>
+          <a:xfrm>
+            <a:off x="1790700" y="3999442"/>
+            <a:ext cx="8610600" cy="2076450"/>
+          </a:xfrm>
+          <a:prstGeom prst="rect">
+            <a:avLst/>
+          </a:prstGeom>
+        </p:spPr>
+      </p:pic>
+    </p:spTree>
+    <p:extLst>
+      <p:ext uri="{BB962C8B-B14F-4D97-AF65-F5344CB8AC3E}">
+        <p14:creationId xmlns:p14="http://schemas.microsoft.com/office/powerpoint/2010/main" val="456467377"/>
+      </p:ext>
+    </p:extLst>
+  </p:cSld>
+  <p:clrMapOvr>
+    <a:masterClrMapping/>
+  </p:clrMapOvr>
+</p:sld>
+</file>
+
 <file path=ppt/slides/slide2.xml><?xml version="1.0" encoding="utf-8"?>
 <p:sld xmlns:a="http://schemas.openxmlformats.org/drawingml/2006/main" xmlns:r="http://schemas.openxmlformats.org/officeDocument/2006/relationships" xmlns:p="http://schemas.openxmlformats.org/presentationml/2006/main">
   <p:cSld>
@@ -4495,6 +5745,1352 @@
     <p:extLst>
       <p:ext uri="{BB962C8B-B14F-4D97-AF65-F5344CB8AC3E}">
         <p14:creationId xmlns:p14="http://schemas.microsoft.com/office/powerpoint/2010/main" val="3931282121"/>
+      </p:ext>
+    </p:extLst>
+  </p:cSld>
+  <p:clrMapOvr>
+    <a:masterClrMapping/>
+  </p:clrMapOvr>
+</p:sld>
+</file>
+
+<file path=ppt/slides/slide20.xml><?xml version="1.0" encoding="utf-8"?>
+<p:sld xmlns:a="http://schemas.openxmlformats.org/drawingml/2006/main" xmlns:r="http://schemas.openxmlformats.org/officeDocument/2006/relationships" xmlns:p="http://schemas.openxmlformats.org/presentationml/2006/main">
+  <p:cSld>
+    <p:spTree>
+      <p:nvGrpSpPr>
+        <p:cNvPr id="1" name="">
+          <a:extLst>
+            <a:ext uri="{FF2B5EF4-FFF2-40B4-BE49-F238E27FC236}">
+              <a16:creationId xmlns:a16="http://schemas.microsoft.com/office/drawing/2014/main" id="{E75437CC-DD91-4112-BD45-E0579E37B41F}"/>
+            </a:ext>
+          </a:extLst>
+        </p:cNvPr>
+        <p:cNvGrpSpPr/>
+        <p:nvPr/>
+      </p:nvGrpSpPr>
+      <p:grpSpPr>
+        <a:xfrm>
+          <a:off x="0" y="0"/>
+          <a:ext cx="0" cy="0"/>
+          <a:chOff x="0" y="0"/>
+          <a:chExt cx="0" cy="0"/>
+        </a:xfrm>
+      </p:grpSpPr>
+      <p:sp>
+        <p:nvSpPr>
+          <p:cNvPr id="2" name="Title 1">
+            <a:extLst>
+              <a:ext uri="{FF2B5EF4-FFF2-40B4-BE49-F238E27FC236}">
+                <a16:creationId xmlns:a16="http://schemas.microsoft.com/office/drawing/2014/main" id="{268CCDB1-FBE9-FF2A-445B-7A09A702C2B2}"/>
+              </a:ext>
+            </a:extLst>
+          </p:cNvPr>
+          <p:cNvSpPr>
+            <a:spLocks noGrp="1"/>
+          </p:cNvSpPr>
+          <p:nvPr>
+            <p:ph type="title"/>
+          </p:nvPr>
+        </p:nvSpPr>
+        <p:spPr/>
+        <p:txBody>
+          <a:bodyPr>
+            <a:normAutofit/>
+          </a:bodyPr>
+          <a:lstStyle/>
+          <a:p>
+            <a:r>
+              <a:rPr lang="en-US" dirty="0"/>
+              <a:t>Threshold for binary classifier</a:t>
+            </a:r>
+          </a:p>
+        </p:txBody>
+      </p:sp>
+      <p:sp>
+        <p:nvSpPr>
+          <p:cNvPr id="4" name="Content Placeholder 3">
+            <a:extLst>
+              <a:ext uri="{FF2B5EF4-FFF2-40B4-BE49-F238E27FC236}">
+                <a16:creationId xmlns:a16="http://schemas.microsoft.com/office/drawing/2014/main" id="{98C7C446-0EFF-A1E7-E398-F7E65A2F91C1}"/>
+              </a:ext>
+            </a:extLst>
+          </p:cNvPr>
+          <p:cNvSpPr>
+            <a:spLocks noGrp="1"/>
+          </p:cNvSpPr>
+          <p:nvPr>
+            <p:ph idx="1"/>
+          </p:nvPr>
+        </p:nvSpPr>
+        <p:spPr/>
+        <p:txBody>
+          <a:bodyPr vert="horz" lIns="91440" tIns="45720" rIns="91440" bIns="45720" rtlCol="0" anchor="t">
+            <a:normAutofit/>
+          </a:bodyPr>
+          <a:lstStyle/>
+          <a:p>
+            <a:r>
+              <a:rPr lang="en-US" dirty="0">
+                <a:ea typeface="+mn-lt"/>
+                <a:cs typeface="+mn-lt"/>
+              </a:rPr>
+              <a:t>Consider a Higgs boson classifier that decides whether an event involves the Higgs boson or the background. </a:t>
+            </a:r>
+          </a:p>
+          <a:p>
+            <a:r>
+              <a:rPr lang="en-US" dirty="0">
+                <a:ea typeface="+mn-lt"/>
+                <a:cs typeface="+mn-lt"/>
+              </a:rPr>
+              <a:t>The model computes a score (probability) for each event, representing the likelihood it's a Higgs.</a:t>
+            </a:r>
+            <a:endParaRPr lang="en-US"/>
+          </a:p>
+          <a:p>
+            <a:r>
+              <a:rPr lang="en-US" dirty="0">
+                <a:ea typeface="+mn-lt"/>
+                <a:cs typeface="+mn-lt"/>
+              </a:rPr>
+              <a:t>If we set </a:t>
+            </a:r>
+            <a:r>
+              <a:rPr lang="en-US" b="1" i="1" dirty="0">
+                <a:ea typeface="+mn-lt"/>
+                <a:cs typeface="+mn-lt"/>
+              </a:rPr>
+              <a:t>a high threshold</a:t>
+            </a:r>
+            <a:r>
+              <a:rPr lang="en-US" dirty="0">
+                <a:ea typeface="+mn-lt"/>
+                <a:cs typeface="+mn-lt"/>
+              </a:rPr>
+              <a:t>, the model only marks obvious Higgs, ensuring background events are not confused as Higgs events. Less-obvious Higgs events might be classified as background.</a:t>
+            </a:r>
+            <a:endParaRPr lang="en-US" dirty="0"/>
+          </a:p>
+          <a:p>
+            <a:r>
+              <a:rPr lang="en-US" dirty="0">
+                <a:ea typeface="+mn-lt"/>
+                <a:cs typeface="+mn-lt"/>
+              </a:rPr>
+              <a:t>If we set a </a:t>
+            </a:r>
+            <a:r>
+              <a:rPr lang="en-US" b="1" i="1" dirty="0">
+                <a:ea typeface="+mn-lt"/>
+                <a:cs typeface="+mn-lt"/>
+              </a:rPr>
+              <a:t>lower threshold</a:t>
+            </a:r>
+            <a:r>
+              <a:rPr lang="en-US" dirty="0">
+                <a:ea typeface="+mn-lt"/>
+                <a:cs typeface="+mn-lt"/>
+              </a:rPr>
+              <a:t>, the filter will catch a broader range of Higgs event, but there's also a higher chance it might incorrectly classify a background event as Higgs.</a:t>
+            </a:r>
+            <a:endParaRPr lang="en-US" dirty="0"/>
+          </a:p>
+          <a:p>
+            <a:endParaRPr lang="en-US" dirty="0"/>
+          </a:p>
+        </p:txBody>
+      </p:sp>
+    </p:spTree>
+    <p:extLst>
+      <p:ext uri="{BB962C8B-B14F-4D97-AF65-F5344CB8AC3E}">
+        <p14:creationId xmlns:p14="http://schemas.microsoft.com/office/powerpoint/2010/main" val="1277279737"/>
+      </p:ext>
+    </p:extLst>
+  </p:cSld>
+  <p:clrMapOvr>
+    <a:masterClrMapping/>
+  </p:clrMapOvr>
+</p:sld>
+</file>
+
+<file path=ppt/slides/slide21.xml><?xml version="1.0" encoding="utf-8"?>
+<p:sld xmlns:a="http://schemas.openxmlformats.org/drawingml/2006/main" xmlns:r="http://schemas.openxmlformats.org/officeDocument/2006/relationships" xmlns:p="http://schemas.openxmlformats.org/presentationml/2006/main">
+  <p:cSld>
+    <p:spTree>
+      <p:nvGrpSpPr>
+        <p:cNvPr id="1" name="">
+          <a:extLst>
+            <a:ext uri="{FF2B5EF4-FFF2-40B4-BE49-F238E27FC236}">
+              <a16:creationId xmlns:a16="http://schemas.microsoft.com/office/drawing/2014/main" id="{E497149A-F8BA-9089-13FD-C6D041AB04AB}"/>
+            </a:ext>
+          </a:extLst>
+        </p:cNvPr>
+        <p:cNvGrpSpPr/>
+        <p:nvPr/>
+      </p:nvGrpSpPr>
+      <p:grpSpPr>
+        <a:xfrm>
+          <a:off x="0" y="0"/>
+          <a:ext cx="0" cy="0"/>
+          <a:chOff x="0" y="0"/>
+          <a:chExt cx="0" cy="0"/>
+        </a:xfrm>
+      </p:grpSpPr>
+      <p:sp>
+        <p:nvSpPr>
+          <p:cNvPr id="2" name="Title 1">
+            <a:extLst>
+              <a:ext uri="{FF2B5EF4-FFF2-40B4-BE49-F238E27FC236}">
+                <a16:creationId xmlns:a16="http://schemas.microsoft.com/office/drawing/2014/main" id="{5CBF6581-7819-C4C7-ACA2-5A664E5786F5}"/>
+              </a:ext>
+            </a:extLst>
+          </p:cNvPr>
+          <p:cNvSpPr>
+            <a:spLocks noGrp="1"/>
+          </p:cNvSpPr>
+          <p:nvPr>
+            <p:ph type="title"/>
+          </p:nvPr>
+        </p:nvSpPr>
+        <p:spPr/>
+        <p:txBody>
+          <a:bodyPr>
+            <a:normAutofit/>
+          </a:bodyPr>
+          <a:lstStyle/>
+          <a:p>
+            <a:r>
+              <a:rPr lang="en-US" dirty="0">
+                <a:ea typeface="+mj-lt"/>
+                <a:cs typeface="+mj-lt"/>
+              </a:rPr>
+              <a:t>ROC</a:t>
+            </a:r>
+            <a:endParaRPr lang="en-US" dirty="0"/>
+          </a:p>
+        </p:txBody>
+      </p:sp>
+      <p:sp>
+        <p:nvSpPr>
+          <p:cNvPr id="4" name="Content Placeholder 3">
+            <a:extLst>
+              <a:ext uri="{FF2B5EF4-FFF2-40B4-BE49-F238E27FC236}">
+                <a16:creationId xmlns:a16="http://schemas.microsoft.com/office/drawing/2014/main" id="{2915B68E-EE3F-16DC-E2BC-0605782F6D0F}"/>
+              </a:ext>
+            </a:extLst>
+          </p:cNvPr>
+          <p:cNvSpPr>
+            <a:spLocks noGrp="1"/>
+          </p:cNvSpPr>
+          <p:nvPr>
+            <p:ph idx="1"/>
+          </p:nvPr>
+        </p:nvSpPr>
+        <p:spPr>
+          <a:xfrm>
+            <a:off x="838200" y="1825625"/>
+            <a:ext cx="10515600" cy="4351338"/>
+          </a:xfrm>
+        </p:spPr>
+        <p:txBody>
+          <a:bodyPr vert="horz" lIns="91440" tIns="45720" rIns="91440" bIns="45720" rtlCol="0" anchor="t">
+            <a:normAutofit/>
+          </a:bodyPr>
+          <a:lstStyle/>
+          <a:p>
+            <a:r>
+              <a:rPr lang="en-US" dirty="0">
+                <a:ea typeface="+mn-lt"/>
+                <a:cs typeface="+mn-lt"/>
+              </a:rPr>
+              <a:t>A </a:t>
+            </a:r>
+            <a:r>
+              <a:rPr lang="en-US" b="1" dirty="0">
+                <a:ea typeface="+mn-lt"/>
+                <a:cs typeface="+mn-lt"/>
+              </a:rPr>
+              <a:t>ROC curve</a:t>
+            </a:r>
+            <a:r>
+              <a:rPr lang="en-US" dirty="0">
+                <a:ea typeface="+mn-lt"/>
+                <a:cs typeface="+mn-lt"/>
+              </a:rPr>
+              <a:t> is a graphical plot </a:t>
+            </a:r>
+            <a:br>
+              <a:rPr lang="en-US" dirty="0">
+                <a:ea typeface="+mn-lt"/>
+                <a:cs typeface="+mn-lt"/>
+              </a:rPr>
+            </a:br>
+            <a:r>
+              <a:rPr lang="en-US" dirty="0">
+                <a:ea typeface="+mn-lt"/>
+                <a:cs typeface="+mn-lt"/>
+              </a:rPr>
+              <a:t>that illustrates the performance</a:t>
+            </a:r>
+            <a:br>
+              <a:rPr lang="en-US" dirty="0">
+                <a:ea typeface="+mn-lt"/>
+                <a:cs typeface="+mn-lt"/>
+              </a:rPr>
+            </a:br>
+            <a:r>
+              <a:rPr lang="en-US" dirty="0">
+                <a:ea typeface="+mn-lt"/>
+                <a:cs typeface="+mn-lt"/>
+              </a:rPr>
+              <a:t>of a binary classifier model </a:t>
+            </a:r>
+            <a:br>
+              <a:rPr lang="en-US" dirty="0">
+                <a:ea typeface="+mn-lt"/>
+                <a:cs typeface="+mn-lt"/>
+              </a:rPr>
+            </a:br>
+            <a:r>
+              <a:rPr lang="en-US" dirty="0">
+                <a:ea typeface="+mn-lt"/>
+                <a:cs typeface="+mn-lt"/>
+              </a:rPr>
+              <a:t>at varying threshold values.</a:t>
+            </a:r>
+            <a:endParaRPr lang="en-US" dirty="0"/>
+          </a:p>
+          <a:p>
+            <a:endParaRPr lang="en-US"/>
+          </a:p>
+          <a:p>
+            <a:endParaRPr lang="en-US" dirty="0">
+              <a:ea typeface="+mn-lt"/>
+              <a:cs typeface="+mn-lt"/>
+            </a:endParaRPr>
+          </a:p>
+          <a:p>
+            <a:endParaRPr lang="en-US" dirty="0">
+              <a:ea typeface="+mn-lt"/>
+              <a:cs typeface="+mn-lt"/>
+            </a:endParaRPr>
+          </a:p>
+          <a:p>
+            <a:r>
+              <a:rPr lang="en-US" dirty="0">
+                <a:ea typeface="+mn-lt"/>
+                <a:cs typeface="+mn-lt"/>
+              </a:rPr>
+              <a:t>The ROC curve is the plot of the true positive rate (TPR) against the false positive rate (FPR) at each threshold setting.</a:t>
+            </a:r>
+            <a:endParaRPr lang="en-US" dirty="0"/>
+          </a:p>
+          <a:p>
+            <a:endParaRPr lang="en-US"/>
+          </a:p>
+        </p:txBody>
+      </p:sp>
+      <p:pic>
+        <p:nvPicPr>
+          <p:cNvPr id="3" name="Picture 2" descr="A graph of a curve&#10;&#10;AI-generated content may be incorrect.">
+            <a:extLst>
+              <a:ext uri="{FF2B5EF4-FFF2-40B4-BE49-F238E27FC236}">
+                <a16:creationId xmlns:a16="http://schemas.microsoft.com/office/drawing/2014/main" id="{459D6EDA-196B-D2E5-DEB8-D15D1BAF8221}"/>
+              </a:ext>
+            </a:extLst>
+          </p:cNvPr>
+          <p:cNvPicPr>
+            <a:picLocks noChangeAspect="1"/>
+          </p:cNvPicPr>
+          <p:nvPr/>
+        </p:nvPicPr>
+        <p:blipFill>
+          <a:blip r:embed="rId2"/>
+          <a:srcRect l="-102" t="3571" r="3282"/>
+          <a:stretch>
+            <a:fillRect/>
+          </a:stretch>
+        </p:blipFill>
+        <p:spPr>
+          <a:xfrm>
+            <a:off x="6106160" y="1685925"/>
+            <a:ext cx="5099859" cy="3468324"/>
+          </a:xfrm>
+          <a:prstGeom prst="rect">
+            <a:avLst/>
+          </a:prstGeom>
+        </p:spPr>
+      </p:pic>
+    </p:spTree>
+    <p:extLst>
+      <p:ext uri="{BB962C8B-B14F-4D97-AF65-F5344CB8AC3E}">
+        <p14:creationId xmlns:p14="http://schemas.microsoft.com/office/powerpoint/2010/main" val="1975279200"/>
+      </p:ext>
+    </p:extLst>
+  </p:cSld>
+  <p:clrMapOvr>
+    <a:masterClrMapping/>
+  </p:clrMapOvr>
+</p:sld>
+</file>
+
+<file path=ppt/slides/slide22.xml><?xml version="1.0" encoding="utf-8"?>
+<p:sld xmlns:a="http://schemas.openxmlformats.org/drawingml/2006/main" xmlns:r="http://schemas.openxmlformats.org/officeDocument/2006/relationships" xmlns:p="http://schemas.openxmlformats.org/presentationml/2006/main">
+  <p:cSld>
+    <p:spTree>
+      <p:nvGrpSpPr>
+        <p:cNvPr id="1" name="">
+          <a:extLst>
+            <a:ext uri="{FF2B5EF4-FFF2-40B4-BE49-F238E27FC236}">
+              <a16:creationId xmlns:a16="http://schemas.microsoft.com/office/drawing/2014/main" id="{8A4322B0-9379-01D3-4289-B02D7099BEE2}"/>
+            </a:ext>
+          </a:extLst>
+        </p:cNvPr>
+        <p:cNvGrpSpPr/>
+        <p:nvPr/>
+      </p:nvGrpSpPr>
+      <p:grpSpPr>
+        <a:xfrm>
+          <a:off x="0" y="0"/>
+          <a:ext cx="0" cy="0"/>
+          <a:chOff x="0" y="0"/>
+          <a:chExt cx="0" cy="0"/>
+        </a:xfrm>
+      </p:grpSpPr>
+      <p:sp>
+        <p:nvSpPr>
+          <p:cNvPr id="2" name="Title 1">
+            <a:extLst>
+              <a:ext uri="{FF2B5EF4-FFF2-40B4-BE49-F238E27FC236}">
+                <a16:creationId xmlns:a16="http://schemas.microsoft.com/office/drawing/2014/main" id="{7212095C-9747-F76A-1191-0ED5564AA6E4}"/>
+              </a:ext>
+            </a:extLst>
+          </p:cNvPr>
+          <p:cNvSpPr>
+            <a:spLocks noGrp="1"/>
+          </p:cNvSpPr>
+          <p:nvPr>
+            <p:ph type="title"/>
+          </p:nvPr>
+        </p:nvSpPr>
+        <p:spPr/>
+        <p:txBody>
+          <a:bodyPr>
+            <a:normAutofit/>
+          </a:bodyPr>
+          <a:lstStyle/>
+          <a:p>
+            <a:r>
+              <a:rPr lang="en-US" dirty="0">
+                <a:ea typeface="+mj-lt"/>
+                <a:cs typeface="+mj-lt"/>
+              </a:rPr>
+              <a:t>AUC</a:t>
+            </a:r>
+            <a:endParaRPr lang="en-US" dirty="0"/>
+          </a:p>
+        </p:txBody>
+      </p:sp>
+      <p:sp>
+        <p:nvSpPr>
+          <p:cNvPr id="4" name="Content Placeholder 3">
+            <a:extLst>
+              <a:ext uri="{FF2B5EF4-FFF2-40B4-BE49-F238E27FC236}">
+                <a16:creationId xmlns:a16="http://schemas.microsoft.com/office/drawing/2014/main" id="{A1892508-8A87-FCDC-AAF0-9DB44BDFB7A7}"/>
+              </a:ext>
+            </a:extLst>
+          </p:cNvPr>
+          <p:cNvSpPr>
+            <a:spLocks noGrp="1"/>
+          </p:cNvSpPr>
+          <p:nvPr>
+            <p:ph idx="1"/>
+          </p:nvPr>
+        </p:nvSpPr>
+        <p:spPr/>
+        <p:txBody>
+          <a:bodyPr vert="horz" lIns="91440" tIns="45720" rIns="91440" bIns="45720" rtlCol="0" anchor="t">
+            <a:normAutofit/>
+          </a:bodyPr>
+          <a:lstStyle/>
+          <a:p>
+            <a:r>
+              <a:rPr lang="en-US" dirty="0">
+                <a:ea typeface="+mn-lt"/>
+                <a:cs typeface="+mn-lt"/>
+              </a:rPr>
+              <a:t>The Area Under the ROC Curve (AUC) is a metric used to evaluate the performance of a binary classification model. </a:t>
+            </a:r>
+          </a:p>
+          <a:p>
+            <a:r>
+              <a:rPr lang="en-US" dirty="0">
+                <a:ea typeface="+mn-lt"/>
+                <a:cs typeface="+mn-lt"/>
+              </a:rPr>
+              <a:t>An AUC of 1.0 indicates a perfect model, while an AUC of 0.5 suggests the model performs no better than random guessing</a:t>
+            </a:r>
+            <a:endParaRPr lang="en-US" dirty="0"/>
+          </a:p>
+          <a:p>
+            <a:pPr lvl="1"/>
+            <a:r>
+              <a:rPr lang="en-US" b="1" dirty="0">
+                <a:ea typeface="+mn-lt"/>
+                <a:cs typeface="+mn-lt"/>
+              </a:rPr>
+              <a:t>0.5:</a:t>
+            </a:r>
+            <a:r>
+              <a:rPr lang="en-US" dirty="0">
+                <a:ea typeface="+mn-lt"/>
+                <a:cs typeface="+mn-lt"/>
+              </a:rPr>
+              <a:t> No discriminatory power (random guessing). </a:t>
+            </a:r>
+            <a:endParaRPr lang="en-US"/>
+          </a:p>
+          <a:p>
+            <a:pPr lvl="1"/>
+            <a:r>
+              <a:rPr lang="en-US" b="1" dirty="0">
+                <a:ea typeface="+mn-lt"/>
+                <a:cs typeface="+mn-lt"/>
+              </a:rPr>
+              <a:t>0.7 - 0.8:</a:t>
+            </a:r>
+            <a:r>
+              <a:rPr lang="en-US" dirty="0">
+                <a:ea typeface="+mn-lt"/>
+                <a:cs typeface="+mn-lt"/>
+              </a:rPr>
+              <a:t> Acceptable performance. </a:t>
+            </a:r>
+            <a:endParaRPr lang="en-US" dirty="0"/>
+          </a:p>
+          <a:p>
+            <a:pPr lvl="1"/>
+            <a:r>
+              <a:rPr lang="en-US" b="1" dirty="0">
+                <a:ea typeface="+mn-lt"/>
+                <a:cs typeface="+mn-lt"/>
+              </a:rPr>
+              <a:t>0.8 - 0.9:</a:t>
+            </a:r>
+            <a:r>
+              <a:rPr lang="en-US" dirty="0">
+                <a:ea typeface="+mn-lt"/>
+                <a:cs typeface="+mn-lt"/>
+              </a:rPr>
+              <a:t> Excellent performance. </a:t>
+            </a:r>
+            <a:endParaRPr lang="en-US"/>
+          </a:p>
+          <a:p>
+            <a:pPr lvl="1"/>
+            <a:r>
+              <a:rPr lang="en-US" b="1" dirty="0">
+                <a:ea typeface="+mn-lt"/>
+                <a:cs typeface="+mn-lt"/>
+              </a:rPr>
+              <a:t>0.9 - 1.0:</a:t>
+            </a:r>
+            <a:r>
+              <a:rPr lang="en-US" dirty="0">
+                <a:ea typeface="+mn-lt"/>
+                <a:cs typeface="+mn-lt"/>
+              </a:rPr>
+              <a:t> Outstanding performance. </a:t>
+            </a:r>
+            <a:endParaRPr lang="en-US" dirty="0"/>
+          </a:p>
+          <a:p>
+            <a:r>
+              <a:rPr lang="en-US" dirty="0"/>
+              <a:t>For a Higgs classifier based on </a:t>
+            </a:r>
+            <a:r>
+              <a:rPr lang="en-US" dirty="0" err="1"/>
+              <a:t>XGBoost</a:t>
+            </a:r>
+            <a:r>
+              <a:rPr lang="en-US" dirty="0"/>
+              <a:t>, we can get:</a:t>
+            </a:r>
+            <a:br>
+              <a:rPr lang="en-US" dirty="0"/>
+            </a:br>
+            <a:r>
+              <a:rPr lang="en-US" dirty="0">
+                <a:ea typeface="+mn-lt"/>
+                <a:cs typeface="+mn-lt"/>
+              </a:rPr>
+              <a:t>model </a:t>
+            </a:r>
+            <a:r>
+              <a:rPr lang="en-US" dirty="0" err="1">
+                <a:ea typeface="+mn-lt"/>
+                <a:cs typeface="+mn-lt"/>
+              </a:rPr>
+              <a:t>roc_auc</a:t>
+            </a:r>
+            <a:r>
+              <a:rPr lang="en-US" dirty="0">
+                <a:ea typeface="+mn-lt"/>
+                <a:cs typeface="+mn-lt"/>
+              </a:rPr>
+              <a:t>: 0.84</a:t>
+            </a:r>
+            <a:endParaRPr lang="en-US" dirty="0"/>
+          </a:p>
+          <a:p>
+            <a:endParaRPr lang="en-US" dirty="0"/>
+          </a:p>
+          <a:p>
+            <a:endParaRPr lang="en-US" dirty="0"/>
+          </a:p>
+        </p:txBody>
+      </p:sp>
+    </p:spTree>
+    <p:extLst>
+      <p:ext uri="{BB962C8B-B14F-4D97-AF65-F5344CB8AC3E}">
+        <p14:creationId xmlns:p14="http://schemas.microsoft.com/office/powerpoint/2010/main" val="522451010"/>
+      </p:ext>
+    </p:extLst>
+  </p:cSld>
+  <p:clrMapOvr>
+    <a:masterClrMapping/>
+  </p:clrMapOvr>
+</p:sld>
+</file>
+
+<file path=ppt/slides/slide23.xml><?xml version="1.0" encoding="utf-8"?>
+<p:sld xmlns:a="http://schemas.openxmlformats.org/drawingml/2006/main" xmlns:r="http://schemas.openxmlformats.org/officeDocument/2006/relationships" xmlns:p="http://schemas.openxmlformats.org/presentationml/2006/main">
+  <p:cSld>
+    <p:spTree>
+      <p:nvGrpSpPr>
+        <p:cNvPr id="1" name="">
+          <a:extLst>
+            <a:ext uri="{FF2B5EF4-FFF2-40B4-BE49-F238E27FC236}">
+              <a16:creationId xmlns:a16="http://schemas.microsoft.com/office/drawing/2014/main" id="{1CF2E453-FAE2-6D0A-3A9B-72C82BD9A593}"/>
+            </a:ext>
+          </a:extLst>
+        </p:cNvPr>
+        <p:cNvGrpSpPr/>
+        <p:nvPr/>
+      </p:nvGrpSpPr>
+      <p:grpSpPr>
+        <a:xfrm>
+          <a:off x="0" y="0"/>
+          <a:ext cx="0" cy="0"/>
+          <a:chOff x="0" y="0"/>
+          <a:chExt cx="0" cy="0"/>
+        </a:xfrm>
+      </p:grpSpPr>
+      <p:sp>
+        <p:nvSpPr>
+          <p:cNvPr id="2" name="Title 1">
+            <a:extLst>
+              <a:ext uri="{FF2B5EF4-FFF2-40B4-BE49-F238E27FC236}">
+                <a16:creationId xmlns:a16="http://schemas.microsoft.com/office/drawing/2014/main" id="{D77C64ED-B936-85A0-60D1-A9B6313FEC56}"/>
+              </a:ext>
+            </a:extLst>
+          </p:cNvPr>
+          <p:cNvSpPr>
+            <a:spLocks noGrp="1"/>
+          </p:cNvSpPr>
+          <p:nvPr>
+            <p:ph type="title"/>
+          </p:nvPr>
+        </p:nvSpPr>
+        <p:spPr/>
+        <p:txBody>
+          <a:bodyPr>
+            <a:normAutofit/>
+          </a:bodyPr>
+          <a:lstStyle/>
+          <a:p>
+            <a:r>
+              <a:rPr lang="en-US" dirty="0">
+                <a:latin typeface="Aptos"/>
+              </a:rPr>
+              <a:t>Confusion matrix</a:t>
+            </a:r>
+            <a:endParaRPr lang="en-US" dirty="0"/>
+          </a:p>
+        </p:txBody>
+      </p:sp>
+      <p:sp>
+        <p:nvSpPr>
+          <p:cNvPr id="3" name="Content Placeholder 2">
+            <a:extLst>
+              <a:ext uri="{FF2B5EF4-FFF2-40B4-BE49-F238E27FC236}">
+                <a16:creationId xmlns:a16="http://schemas.microsoft.com/office/drawing/2014/main" id="{6D6B1A04-64BF-78C9-9EFF-C81B69B8AB36}"/>
+              </a:ext>
+            </a:extLst>
+          </p:cNvPr>
+          <p:cNvSpPr>
+            <a:spLocks noGrp="1"/>
+          </p:cNvSpPr>
+          <p:nvPr>
+            <p:ph idx="1"/>
+          </p:nvPr>
+        </p:nvSpPr>
+        <p:spPr/>
+        <p:txBody>
+          <a:bodyPr vert="horz" lIns="91440" tIns="45720" rIns="91440" bIns="45720" rtlCol="0" anchor="t">
+            <a:noAutofit/>
+          </a:bodyPr>
+          <a:lstStyle/>
+          <a:p>
+            <a:pPr>
+              <a:buFont typeface="Arial"/>
+              <a:buChar char="•"/>
+            </a:pPr>
+            <a:r>
+              <a:rPr lang="en-US" dirty="0">
+                <a:ea typeface="+mn-lt"/>
+                <a:cs typeface="+mn-lt"/>
+              </a:rPr>
+              <a:t>In classification problems, a confusion matrix is a specific table layout that allows visualization of the performance of an algorithm</a:t>
+            </a:r>
+            <a:br>
+              <a:rPr lang="en-US" dirty="0">
+                <a:ea typeface="+mn-lt"/>
+                <a:cs typeface="+mn-lt"/>
+              </a:rPr>
+            </a:br>
+            <a:br>
+              <a:rPr lang="en-US" dirty="0">
+                <a:ea typeface="+mn-lt"/>
+                <a:cs typeface="+mn-lt"/>
+              </a:rPr>
+            </a:br>
+            <a:endParaRPr lang="en-US" dirty="0">
+              <a:ea typeface="+mn-lt"/>
+              <a:cs typeface="+mn-lt"/>
+            </a:endParaRPr>
+          </a:p>
+          <a:p>
+            <a:pPr>
+              <a:buFont typeface="Arial"/>
+              <a:buChar char="•"/>
+            </a:pPr>
+            <a:r>
+              <a:rPr lang="en-US" dirty="0">
+                <a:ea typeface="+mn-lt"/>
+                <a:cs typeface="+mn-lt"/>
+              </a:rPr>
+              <a:t>True positive:    Higgs events correctly identified as Higgs</a:t>
+            </a:r>
+            <a:endParaRPr lang="en-US" dirty="0"/>
+          </a:p>
+          <a:p>
+            <a:pPr>
+              <a:buFont typeface="Arial"/>
+              <a:buChar char="•"/>
+            </a:pPr>
+            <a:r>
+              <a:rPr lang="en-US" dirty="0">
+                <a:ea typeface="+mn-lt"/>
+                <a:cs typeface="+mn-lt"/>
+              </a:rPr>
+              <a:t>False positive:  Background events incorrectly identified as Higgs</a:t>
+            </a:r>
+            <a:endParaRPr lang="en-US" dirty="0"/>
+          </a:p>
+          <a:p>
+            <a:pPr>
+              <a:buFont typeface="Arial"/>
+              <a:buChar char="•"/>
+            </a:pPr>
+            <a:r>
+              <a:rPr lang="en-US" dirty="0">
+                <a:ea typeface="+mn-lt"/>
+                <a:cs typeface="+mn-lt"/>
+              </a:rPr>
+              <a:t>True negative:   Background correctly identified as Background</a:t>
+            </a:r>
+            <a:endParaRPr lang="en-US" dirty="0" err="1"/>
+          </a:p>
+          <a:p>
+            <a:pPr>
+              <a:buFont typeface="Arial"/>
+              <a:buChar char="•"/>
+            </a:pPr>
+            <a:r>
+              <a:rPr lang="en-US" dirty="0">
+                <a:ea typeface="+mn-lt"/>
+                <a:cs typeface="+mn-lt"/>
+              </a:rPr>
+              <a:t>False negative: Higgs incorrectly identified as Background</a:t>
+            </a:r>
+            <a:endParaRPr lang="en-US" dirty="0" err="1"/>
+          </a:p>
+          <a:p>
+            <a:pPr>
+              <a:buFont typeface="Arial"/>
+              <a:buChar char="•"/>
+            </a:pPr>
+            <a:endParaRPr lang="en-US" dirty="0"/>
+          </a:p>
+        </p:txBody>
+      </p:sp>
+    </p:spTree>
+    <p:extLst>
+      <p:ext uri="{BB962C8B-B14F-4D97-AF65-F5344CB8AC3E}">
+        <p14:creationId xmlns:p14="http://schemas.microsoft.com/office/powerpoint/2010/main" val="3973183671"/>
+      </p:ext>
+    </p:extLst>
+  </p:cSld>
+  <p:clrMapOvr>
+    <a:masterClrMapping/>
+  </p:clrMapOvr>
+</p:sld>
+</file>
+
+<file path=ppt/slides/slide24.xml><?xml version="1.0" encoding="utf-8"?>
+<p:sld xmlns:a="http://schemas.openxmlformats.org/drawingml/2006/main" xmlns:r="http://schemas.openxmlformats.org/officeDocument/2006/relationships" xmlns:p="http://schemas.openxmlformats.org/presentationml/2006/main">
+  <p:cSld>
+    <p:spTree>
+      <p:nvGrpSpPr>
+        <p:cNvPr id="1" name="">
+          <a:extLst>
+            <a:ext uri="{FF2B5EF4-FFF2-40B4-BE49-F238E27FC236}">
+              <a16:creationId xmlns:a16="http://schemas.microsoft.com/office/drawing/2014/main" id="{DB835259-6BCB-8E59-3875-E453A0B461FC}"/>
+            </a:ext>
+          </a:extLst>
+        </p:cNvPr>
+        <p:cNvGrpSpPr/>
+        <p:nvPr/>
+      </p:nvGrpSpPr>
+      <p:grpSpPr>
+        <a:xfrm>
+          <a:off x="0" y="0"/>
+          <a:ext cx="0" cy="0"/>
+          <a:chOff x="0" y="0"/>
+          <a:chExt cx="0" cy="0"/>
+        </a:xfrm>
+      </p:grpSpPr>
+      <p:sp>
+        <p:nvSpPr>
+          <p:cNvPr id="2" name="Title 1">
+            <a:extLst>
+              <a:ext uri="{FF2B5EF4-FFF2-40B4-BE49-F238E27FC236}">
+                <a16:creationId xmlns:a16="http://schemas.microsoft.com/office/drawing/2014/main" id="{2E8DC5D0-8E58-9E07-FD1E-5D308761D96D}"/>
+              </a:ext>
+            </a:extLst>
+          </p:cNvPr>
+          <p:cNvSpPr>
+            <a:spLocks noGrp="1"/>
+          </p:cNvSpPr>
+          <p:nvPr>
+            <p:ph type="title"/>
+          </p:nvPr>
+        </p:nvSpPr>
+        <p:spPr/>
+        <p:txBody>
+          <a:bodyPr>
+            <a:normAutofit/>
+          </a:bodyPr>
+          <a:lstStyle/>
+          <a:p>
+            <a:r>
+              <a:rPr lang="en-US" dirty="0">
+                <a:latin typeface="Aptos"/>
+              </a:rPr>
+              <a:t>Confusion matrix</a:t>
+            </a:r>
+            <a:endParaRPr lang="en-US" dirty="0"/>
+          </a:p>
+        </p:txBody>
+      </p:sp>
+      <p:pic>
+        <p:nvPicPr>
+          <p:cNvPr id="5" name="Picture 4">
+            <a:extLst>
+              <a:ext uri="{FF2B5EF4-FFF2-40B4-BE49-F238E27FC236}">
+                <a16:creationId xmlns:a16="http://schemas.microsoft.com/office/drawing/2014/main" id="{200A79A0-C5FD-D001-54B4-40418C4F57B0}"/>
+              </a:ext>
+            </a:extLst>
+          </p:cNvPr>
+          <p:cNvPicPr>
+            <a:picLocks noChangeAspect="1"/>
+          </p:cNvPicPr>
+          <p:nvPr/>
+        </p:nvPicPr>
+        <p:blipFill>
+          <a:blip r:embed="rId2"/>
+          <a:stretch>
+            <a:fillRect/>
+          </a:stretch>
+        </p:blipFill>
+        <p:spPr>
+          <a:xfrm>
+            <a:off x="2938463" y="1909763"/>
+            <a:ext cx="6315075" cy="3038475"/>
+          </a:xfrm>
+          <a:prstGeom prst="rect">
+            <a:avLst/>
+          </a:prstGeom>
+        </p:spPr>
+      </p:pic>
+    </p:spTree>
+    <p:extLst>
+      <p:ext uri="{BB962C8B-B14F-4D97-AF65-F5344CB8AC3E}">
+        <p14:creationId xmlns:p14="http://schemas.microsoft.com/office/powerpoint/2010/main" val="705061674"/>
+      </p:ext>
+    </p:extLst>
+  </p:cSld>
+  <p:clrMapOvr>
+    <a:masterClrMapping/>
+  </p:clrMapOvr>
+</p:sld>
+</file>
+
+<file path=ppt/slides/slide25.xml><?xml version="1.0" encoding="utf-8"?>
+<p:sld xmlns:a="http://schemas.openxmlformats.org/drawingml/2006/main" xmlns:r="http://schemas.openxmlformats.org/officeDocument/2006/relationships" xmlns:p="http://schemas.openxmlformats.org/presentationml/2006/main">
+  <p:cSld>
+    <p:spTree>
+      <p:nvGrpSpPr>
+        <p:cNvPr id="1" name="">
+          <a:extLst>
+            <a:ext uri="{FF2B5EF4-FFF2-40B4-BE49-F238E27FC236}">
+              <a16:creationId xmlns:a16="http://schemas.microsoft.com/office/drawing/2014/main" id="{07955427-F96F-68D3-7DD8-8A24F9EB0917}"/>
+            </a:ext>
+          </a:extLst>
+        </p:cNvPr>
+        <p:cNvGrpSpPr/>
+        <p:nvPr/>
+      </p:nvGrpSpPr>
+      <p:grpSpPr>
+        <a:xfrm>
+          <a:off x="0" y="0"/>
+          <a:ext cx="0" cy="0"/>
+          <a:chOff x="0" y="0"/>
+          <a:chExt cx="0" cy="0"/>
+        </a:xfrm>
+      </p:grpSpPr>
+      <p:sp>
+        <p:nvSpPr>
+          <p:cNvPr id="2" name="Title 1">
+            <a:extLst>
+              <a:ext uri="{FF2B5EF4-FFF2-40B4-BE49-F238E27FC236}">
+                <a16:creationId xmlns:a16="http://schemas.microsoft.com/office/drawing/2014/main" id="{DD93BA10-E721-61AD-1480-44C91FAC9949}"/>
+              </a:ext>
+            </a:extLst>
+          </p:cNvPr>
+          <p:cNvSpPr>
+            <a:spLocks noGrp="1"/>
+          </p:cNvSpPr>
+          <p:nvPr>
+            <p:ph type="title"/>
+          </p:nvPr>
+        </p:nvSpPr>
+        <p:spPr/>
+        <p:txBody>
+          <a:bodyPr>
+            <a:normAutofit/>
+          </a:bodyPr>
+          <a:lstStyle/>
+          <a:p>
+            <a:r>
+              <a:rPr lang="en-US" dirty="0"/>
+              <a:t>Sensitivity and specificity</a:t>
+            </a:r>
+          </a:p>
+        </p:txBody>
+      </p:sp>
+      <p:sp>
+        <p:nvSpPr>
+          <p:cNvPr id="3" name="Content Placeholder 2">
+            <a:extLst>
+              <a:ext uri="{FF2B5EF4-FFF2-40B4-BE49-F238E27FC236}">
+                <a16:creationId xmlns:a16="http://schemas.microsoft.com/office/drawing/2014/main" id="{420ED172-0C49-A8CC-C9D4-B084ADE40B7B}"/>
+              </a:ext>
+            </a:extLst>
+          </p:cNvPr>
+          <p:cNvSpPr>
+            <a:spLocks noGrp="1"/>
+          </p:cNvSpPr>
+          <p:nvPr>
+            <p:ph idx="1"/>
+          </p:nvPr>
+        </p:nvSpPr>
+        <p:spPr/>
+        <p:txBody>
+          <a:bodyPr vert="horz" lIns="91440" tIns="45720" rIns="91440" bIns="45720" rtlCol="0" anchor="t">
+            <a:noAutofit/>
+          </a:bodyPr>
+          <a:lstStyle/>
+          <a:p>
+            <a:pPr>
+              <a:buFont typeface="Arial"/>
+              <a:buChar char="•"/>
+            </a:pPr>
+            <a:r>
+              <a:rPr lang="en-US" b="1" dirty="0">
+                <a:ea typeface="+mn-lt"/>
+                <a:cs typeface="+mn-lt"/>
+              </a:rPr>
+              <a:t>Sensitivity</a:t>
+            </a:r>
+            <a:r>
+              <a:rPr lang="en-US" dirty="0">
+                <a:ea typeface="+mn-lt"/>
+                <a:cs typeface="+mn-lt"/>
+              </a:rPr>
+              <a:t> (true positive rate) is the probability of a positive test result, conditioned on the event truly being positive.</a:t>
+            </a:r>
+            <a:br>
+              <a:rPr lang="en-US" dirty="0"/>
+            </a:br>
+            <a:br>
+              <a:rPr lang="en-US" dirty="0"/>
+            </a:br>
+            <a:endParaRPr lang="en-US" dirty="0"/>
+          </a:p>
+          <a:p>
+            <a:pPr>
+              <a:buFont typeface="Arial"/>
+              <a:buChar char="•"/>
+            </a:pPr>
+            <a:r>
+              <a:rPr lang="en-US" b="1" dirty="0">
+                <a:ea typeface="+mn-lt"/>
+                <a:cs typeface="+mn-lt"/>
+              </a:rPr>
+              <a:t>Specificity</a:t>
+            </a:r>
+            <a:r>
+              <a:rPr lang="en-US" dirty="0">
+                <a:ea typeface="+mn-lt"/>
+                <a:cs typeface="+mn-lt"/>
+              </a:rPr>
+              <a:t> (true negative rate) is the probability of a negative test result, conditioned on the event truly being negative.</a:t>
+            </a:r>
+            <a:endParaRPr lang="en-US" dirty="0"/>
+          </a:p>
+          <a:p>
+            <a:pPr>
+              <a:buFont typeface="Arial"/>
+              <a:buChar char="•"/>
+            </a:pPr>
+            <a:endParaRPr lang="en-US" dirty="0"/>
+          </a:p>
+        </p:txBody>
+      </p:sp>
+      <p:pic>
+        <p:nvPicPr>
+          <p:cNvPr id="8" name="Picture 7" descr="A black text with black text&#10;&#10;AI-generated content may be incorrect.">
+            <a:extLst>
+              <a:ext uri="{FF2B5EF4-FFF2-40B4-BE49-F238E27FC236}">
+                <a16:creationId xmlns:a16="http://schemas.microsoft.com/office/drawing/2014/main" id="{F43CCB82-34DB-382C-E2DE-AB72644F04E9}"/>
+              </a:ext>
+            </a:extLst>
+          </p:cNvPr>
+          <p:cNvPicPr>
+            <a:picLocks noChangeAspect="1"/>
+          </p:cNvPicPr>
+          <p:nvPr/>
+        </p:nvPicPr>
+        <p:blipFill>
+          <a:blip r:embed="rId2"/>
+          <a:stretch>
+            <a:fillRect/>
+          </a:stretch>
+        </p:blipFill>
+        <p:spPr>
+          <a:xfrm>
+            <a:off x="1768475" y="4454525"/>
+            <a:ext cx="8655050" cy="965200"/>
+          </a:xfrm>
+          <a:prstGeom prst="rect">
+            <a:avLst/>
+          </a:prstGeom>
+        </p:spPr>
+      </p:pic>
+      <p:pic>
+        <p:nvPicPr>
+          <p:cNvPr id="9" name="Picture 8" descr="A black text with black text&#10;&#10;AI-generated content may be incorrect.">
+            <a:extLst>
+              <a:ext uri="{FF2B5EF4-FFF2-40B4-BE49-F238E27FC236}">
+                <a16:creationId xmlns:a16="http://schemas.microsoft.com/office/drawing/2014/main" id="{583B5C52-B334-0572-6951-B98A1A4B8C7B}"/>
+              </a:ext>
+            </a:extLst>
+          </p:cNvPr>
+          <p:cNvPicPr>
+            <a:picLocks noChangeAspect="1"/>
+          </p:cNvPicPr>
+          <p:nvPr/>
+        </p:nvPicPr>
+        <p:blipFill>
+          <a:blip r:embed="rId3"/>
+          <a:stretch>
+            <a:fillRect/>
+          </a:stretch>
+        </p:blipFill>
+        <p:spPr>
+          <a:xfrm>
+            <a:off x="1768475" y="2760133"/>
+            <a:ext cx="8655050" cy="670984"/>
+          </a:xfrm>
+          <a:prstGeom prst="rect">
+            <a:avLst/>
+          </a:prstGeom>
+        </p:spPr>
+      </p:pic>
+    </p:spTree>
+    <p:extLst>
+      <p:ext uri="{BB962C8B-B14F-4D97-AF65-F5344CB8AC3E}">
+        <p14:creationId xmlns:p14="http://schemas.microsoft.com/office/powerpoint/2010/main" val="3362443227"/>
+      </p:ext>
+    </p:extLst>
+  </p:cSld>
+  <p:clrMapOvr>
+    <a:masterClrMapping/>
+  </p:clrMapOvr>
+</p:sld>
+</file>
+
+<file path=ppt/slides/slide26.xml><?xml version="1.0" encoding="utf-8"?>
+<p:sld xmlns:a="http://schemas.openxmlformats.org/drawingml/2006/main" xmlns:r="http://schemas.openxmlformats.org/officeDocument/2006/relationships" xmlns:p="http://schemas.openxmlformats.org/presentationml/2006/main">
+  <p:cSld>
+    <p:spTree>
+      <p:nvGrpSpPr>
+        <p:cNvPr id="1" name="">
+          <a:extLst>
+            <a:ext uri="{FF2B5EF4-FFF2-40B4-BE49-F238E27FC236}">
+              <a16:creationId xmlns:a16="http://schemas.microsoft.com/office/drawing/2014/main" id="{F9E12A6B-A565-2FE6-173A-BCC24BA1D582}"/>
+            </a:ext>
+          </a:extLst>
+        </p:cNvPr>
+        <p:cNvGrpSpPr/>
+        <p:nvPr/>
+      </p:nvGrpSpPr>
+      <p:grpSpPr>
+        <a:xfrm>
+          <a:off x="0" y="0"/>
+          <a:ext cx="0" cy="0"/>
+          <a:chOff x="0" y="0"/>
+          <a:chExt cx="0" cy="0"/>
+        </a:xfrm>
+      </p:grpSpPr>
+      <p:sp>
+        <p:nvSpPr>
+          <p:cNvPr id="2" name="Title 1">
+            <a:extLst>
+              <a:ext uri="{FF2B5EF4-FFF2-40B4-BE49-F238E27FC236}">
+                <a16:creationId xmlns:a16="http://schemas.microsoft.com/office/drawing/2014/main" id="{963C5917-7FB8-E21C-C385-C5EC4642B7B7}"/>
+              </a:ext>
+            </a:extLst>
+          </p:cNvPr>
+          <p:cNvSpPr>
+            <a:spLocks noGrp="1"/>
+          </p:cNvSpPr>
+          <p:nvPr>
+            <p:ph type="title"/>
+          </p:nvPr>
+        </p:nvSpPr>
+        <p:spPr/>
+        <p:txBody>
+          <a:bodyPr>
+            <a:normAutofit/>
+          </a:bodyPr>
+          <a:lstStyle/>
+          <a:p>
+            <a:r>
+              <a:rPr lang="en-US" dirty="0"/>
+              <a:t>Sensitivity and specificity</a:t>
+            </a:r>
+          </a:p>
+        </p:txBody>
+      </p:sp>
+      <p:sp>
+        <p:nvSpPr>
+          <p:cNvPr id="3" name="Content Placeholder 2">
+            <a:extLst>
+              <a:ext uri="{FF2B5EF4-FFF2-40B4-BE49-F238E27FC236}">
+                <a16:creationId xmlns:a16="http://schemas.microsoft.com/office/drawing/2014/main" id="{8B8680CC-5D84-6660-3D67-DD36C29C2D09}"/>
+              </a:ext>
+            </a:extLst>
+          </p:cNvPr>
+          <p:cNvSpPr>
+            <a:spLocks noGrp="1"/>
+          </p:cNvSpPr>
+          <p:nvPr>
+            <p:ph idx="1"/>
+          </p:nvPr>
+        </p:nvSpPr>
+        <p:spPr/>
+        <p:txBody>
+          <a:bodyPr vert="horz" lIns="91440" tIns="45720" rIns="91440" bIns="45720" rtlCol="0" anchor="t">
+            <a:noAutofit/>
+          </a:bodyPr>
+          <a:lstStyle/>
+          <a:p>
+            <a:pPr>
+              <a:buFont typeface="Arial"/>
+              <a:buChar char="•"/>
+            </a:pPr>
+            <a:r>
+              <a:rPr lang="en-US" b="1" dirty="0">
+                <a:ea typeface="+mn-lt"/>
+                <a:cs typeface="+mn-lt"/>
+              </a:rPr>
+              <a:t>Sensitivity</a:t>
+            </a:r>
+            <a:r>
+              <a:rPr lang="en-US" dirty="0">
+                <a:ea typeface="+mn-lt"/>
+                <a:cs typeface="+mn-lt"/>
+              </a:rPr>
+              <a:t>: is about finding the true positives (true Higgs events). </a:t>
+            </a:r>
+            <a:endParaRPr lang="en-US" dirty="0"/>
+          </a:p>
+          <a:p>
+            <a:pPr>
+              <a:buFont typeface="Arial"/>
+              <a:buChar char="•"/>
+            </a:pPr>
+            <a:r>
+              <a:rPr lang="en-US" b="1" dirty="0">
+                <a:ea typeface="+mn-lt"/>
+                <a:cs typeface="+mn-lt"/>
+              </a:rPr>
+              <a:t>Specificity</a:t>
+            </a:r>
+            <a:r>
+              <a:rPr lang="en-US" dirty="0">
+                <a:ea typeface="+mn-lt"/>
+                <a:cs typeface="+mn-lt"/>
+              </a:rPr>
+              <a:t>: is about finding the true negatives (true Background).</a:t>
+            </a:r>
+            <a:endParaRPr lang="en-US" dirty="0"/>
+          </a:p>
+          <a:p>
+            <a:pPr>
+              <a:buFont typeface="Arial"/>
+              <a:buChar char="•"/>
+            </a:pPr>
+            <a:r>
+              <a:rPr lang="en-US" dirty="0">
+                <a:ea typeface="+mn-lt"/>
+                <a:cs typeface="+mn-lt"/>
+              </a:rPr>
+              <a:t>The ideal test would be both highly sensitive and highly specific, but in practice, there's often a trade-off. </a:t>
+            </a:r>
+            <a:endParaRPr lang="en-US" dirty="0"/>
+          </a:p>
+          <a:p>
+            <a:pPr>
+              <a:lnSpc>
+                <a:spcPts val="2722"/>
+              </a:lnSpc>
+              <a:spcBef>
+                <a:spcPts val="0"/>
+              </a:spcBef>
+              <a:buFont typeface="Arial"/>
+              <a:buChar char="•"/>
+            </a:pPr>
+            <a:endParaRPr lang="en-US" dirty="0"/>
+          </a:p>
+          <a:p>
+            <a:pPr>
+              <a:lnSpc>
+                <a:spcPts val="2722"/>
+              </a:lnSpc>
+              <a:spcBef>
+                <a:spcPts val="0"/>
+              </a:spcBef>
+              <a:buFont typeface="Arial"/>
+              <a:buChar char="•"/>
+            </a:pPr>
+            <a:r>
+              <a:rPr lang="en-US" dirty="0"/>
+              <a:t>For a Higgs classifier based on </a:t>
+            </a:r>
+            <a:r>
+              <a:rPr lang="en-US" dirty="0" err="1"/>
+              <a:t>XGBoost</a:t>
+            </a:r>
+            <a:r>
+              <a:rPr lang="en-US" dirty="0"/>
+              <a:t>, we get (threshold 0.5):</a:t>
+            </a:r>
+          </a:p>
+          <a:p>
+            <a:pPr marL="0" indent="0">
+              <a:lnSpc>
+                <a:spcPts val="2722"/>
+              </a:lnSpc>
+              <a:spcBef>
+                <a:spcPts val="0"/>
+              </a:spcBef>
+              <a:buNone/>
+            </a:pPr>
+            <a:br>
+              <a:rPr lang="en-US" sz="1800" dirty="0"/>
+            </a:br>
+            <a:r>
+              <a:rPr lang="en-US" sz="1800" dirty="0"/>
+              <a:t> Sensitivity: 0.78332 </a:t>
+            </a:r>
+            <a:endParaRPr lang="en-US" dirty="0"/>
+          </a:p>
+          <a:p>
+            <a:pPr marL="0" indent="0">
+              <a:lnSpc>
+                <a:spcPts val="2722"/>
+              </a:lnSpc>
+              <a:spcBef>
+                <a:spcPts val="0"/>
+              </a:spcBef>
+              <a:buNone/>
+            </a:pPr>
+            <a:r>
+              <a:rPr lang="en-US" sz="1800" dirty="0"/>
+              <a:t> Specificity: 0.72991 </a:t>
+            </a:r>
+            <a:endParaRPr lang="en-US" dirty="0"/>
+          </a:p>
+          <a:p>
+            <a:pPr>
+              <a:buFont typeface="Arial"/>
+              <a:buChar char="•"/>
+            </a:pPr>
+            <a:endParaRPr lang="en-US" dirty="0"/>
+          </a:p>
+          <a:p>
+            <a:pPr>
+              <a:buFont typeface="Arial"/>
+              <a:buChar char="•"/>
+            </a:pPr>
+            <a:endParaRPr lang="en-US" dirty="0"/>
+          </a:p>
+          <a:p>
+            <a:pPr>
+              <a:buFont typeface="Arial"/>
+              <a:buChar char="•"/>
+            </a:pPr>
+            <a:endParaRPr lang="en-US" dirty="0"/>
+          </a:p>
+          <a:p>
+            <a:pPr>
+              <a:buFont typeface="Arial"/>
+              <a:buChar char="•"/>
+            </a:pPr>
+            <a:endParaRPr lang="en-US" dirty="0"/>
+          </a:p>
+        </p:txBody>
+      </p:sp>
+    </p:spTree>
+    <p:extLst>
+      <p:ext uri="{BB962C8B-B14F-4D97-AF65-F5344CB8AC3E}">
+        <p14:creationId xmlns:p14="http://schemas.microsoft.com/office/powerpoint/2010/main" val="2161234612"/>
       </p:ext>
     </p:extLst>
   </p:cSld>
@@ -4628,14 +7224,14 @@
               <a:t>,... ,</a:t>
             </a:r>
             <a:r>
-              <a:rPr lang="en-US" dirty="0" err="1">
+              <a:rPr lang="en-US" err="1">
                 <a:ea typeface="+mn-lt"/>
                 <a:cs typeface="+mn-lt"/>
               </a:rPr>
               <a:t>X</a:t>
             </a:r>
             <a:r>
-              <a:rPr lang="en-US" sz="1600" dirty="0" err="1">
+              <a:rPr lang="en-US" sz="1600" err="1">
                 <a:ea typeface="+mn-lt"/>
                 <a:cs typeface="+mn-lt"/>
               </a:rPr>
@@ -4646,7 +7242,49 @@
                 <a:ea typeface="+mn-lt"/>
                 <a:cs typeface="+mn-lt"/>
               </a:rPr>
-              <a:t>} with j=1,…,N  for N samples and M features, generated from a linear model  </a:t>
+              <a:t>} with </a:t>
+            </a:r>
+            <a:r>
+              <a:rPr lang="en-US" i="1" dirty="0">
+                <a:ea typeface="+mn-lt"/>
+                <a:cs typeface="+mn-lt"/>
+              </a:rPr>
+              <a:t>j=1,…,n</a:t>
+            </a:r>
+            <a:r>
+              <a:rPr lang="en-US" dirty="0">
+                <a:ea typeface="+mn-lt"/>
+                <a:cs typeface="+mn-lt"/>
+              </a:rPr>
+              <a:t>  for </a:t>
+            </a:r>
+            <a:r>
+              <a:rPr lang="en-US" i="1" dirty="0">
+                <a:ea typeface="+mn-lt"/>
+                <a:cs typeface="+mn-lt"/>
+              </a:rPr>
+              <a:t>n</a:t>
+            </a:r>
+            <a:r>
+              <a:rPr lang="en-US" dirty="0">
+                <a:ea typeface="+mn-lt"/>
+                <a:cs typeface="+mn-lt"/>
+              </a:rPr>
+              <a:t> samples and </a:t>
+            </a:r>
+            <a:r>
+              <a:rPr lang="en-US" i="1" dirty="0">
+                <a:ea typeface="+mn-lt"/>
+                <a:cs typeface="+mn-lt"/>
+              </a:rPr>
+              <a:t>M</a:t>
+            </a:r>
+            <a:r>
+              <a:rPr lang="en-US" dirty="0">
+                <a:ea typeface="+mn-lt"/>
+                <a:cs typeface="+mn-lt"/>
+              </a:rPr>
+              <a:t> features, generated from a linear model  </a:t>
             </a:r>
             <a:endParaRPr lang="en-US" dirty="0"/>
           </a:p>
@@ -4668,14 +7306,14 @@
               <a:t>where </a:t>
             </a:r>
             <a:r>
-              <a:rPr lang="en-US" dirty="0" err="1">
+              <a:rPr lang="en-US" i="1" err="1">
                 <a:ea typeface="+mn-lt"/>
                 <a:cs typeface="+mn-lt"/>
               </a:rPr>
               <a:t>c</a:t>
             </a:r>
             <a:r>
-              <a:rPr lang="en-US" sz="1600" dirty="0" err="1">
+              <a:rPr lang="en-US" sz="1600" i="1" err="1">
                 <a:ea typeface="+mn-lt"/>
                 <a:cs typeface="+mn-lt"/>
               </a:rPr>
@@ -4686,40 +7324,89 @@
                 <a:ea typeface="+mn-lt"/>
                 <a:cs typeface="+mn-lt"/>
               </a:rPr>
-              <a:t> with f=1,...,M is a vector of m coefficients and b is the bias.</a:t>
-            </a:r>
-          </a:p>
-          <a:p>
-            <a:r>
-              <a:rPr lang="en-US" dirty="0">
-                <a:ea typeface="+mn-lt"/>
-                <a:cs typeface="+mn-lt"/>
-              </a:rPr>
-              <a:t>Among the M features, we suppose that only K features are informative, that is only c</a:t>
-            </a:r>
-            <a:r>
-              <a:rPr lang="en-US" sz="1600" dirty="0">
+              <a:t> with </a:t>
+            </a:r>
+            <a:r>
+              <a:rPr lang="en-US" i="1" dirty="0">
+                <a:ea typeface="+mn-lt"/>
+                <a:cs typeface="+mn-lt"/>
+              </a:rPr>
+              <a:t>f=1,...,M</a:t>
+            </a:r>
+            <a:r>
+              <a:rPr lang="en-US" dirty="0">
+                <a:ea typeface="+mn-lt"/>
+                <a:cs typeface="+mn-lt"/>
+              </a:rPr>
+              <a:t> is a vector of m coefficients and b is the bias.</a:t>
+            </a:r>
+          </a:p>
+          <a:p>
+            <a:r>
+              <a:rPr lang="en-US" dirty="0">
+                <a:ea typeface="+mn-lt"/>
+                <a:cs typeface="+mn-lt"/>
+              </a:rPr>
+              <a:t>Among the </a:t>
+            </a:r>
+            <a:r>
+              <a:rPr lang="en-US" i="1" dirty="0">
+                <a:ea typeface="+mn-lt"/>
+                <a:cs typeface="+mn-lt"/>
+              </a:rPr>
+              <a:t>M</a:t>
+            </a:r>
+            <a:r>
+              <a:rPr lang="en-US" dirty="0">
+                <a:ea typeface="+mn-lt"/>
+                <a:cs typeface="+mn-lt"/>
+              </a:rPr>
+              <a:t> features, we suppose that only </a:t>
+            </a:r>
+            <a:r>
+              <a:rPr lang="en-US" i="1" dirty="0">
+                <a:ea typeface="+mn-lt"/>
+                <a:cs typeface="+mn-lt"/>
+              </a:rPr>
+              <a:t>K</a:t>
+            </a:r>
+            <a:r>
+              <a:rPr lang="en-US" dirty="0">
+                <a:ea typeface="+mn-lt"/>
+                <a:cs typeface="+mn-lt"/>
+              </a:rPr>
+              <a:t> features are informative, that is only </a:t>
+            </a:r>
+            <a:r>
+              <a:rPr lang="en-US" i="1" dirty="0">
+                <a:ea typeface="+mn-lt"/>
+                <a:cs typeface="+mn-lt"/>
+              </a:rPr>
+              <a:t>c</a:t>
+            </a:r>
+            <a:r>
+              <a:rPr lang="en-US" sz="1600" i="1" dirty="0">
                 <a:ea typeface="+mn-lt"/>
                 <a:cs typeface="+mn-lt"/>
               </a:rPr>
               <a:t>1</a:t>
             </a:r>
             <a:r>
-              <a:rPr lang="en-US" dirty="0">
+              <a:rPr lang="en-US" i="1" dirty="0">
                 <a:ea typeface="+mn-lt"/>
                 <a:cs typeface="+mn-lt"/>
               </a:rPr>
               <a:t>,... ,</a:t>
             </a:r>
             <a:r>
-              <a:rPr lang="en-US" dirty="0" err="1">
+              <a:rPr lang="en-US" i="1" err="1">
                 <a:ea typeface="+mn-lt"/>
                 <a:cs typeface="+mn-lt"/>
               </a:rPr>
               <a:t>c</a:t>
             </a:r>
             <a:r>
-              <a:rPr lang="en-US" sz="1600" dirty="0" err="1">
+              <a:rPr lang="en-US" sz="1600" i="1" err="1">
                 <a:ea typeface="+mn-lt"/>
                 <a:cs typeface="+mn-lt"/>
               </a:rPr>
@@ -4739,17 +7426,31 @@
                 <a:ea typeface="+mn-lt"/>
                 <a:cs typeface="+mn-lt"/>
               </a:rPr>
-              <a:t>Given the dataset X, y generated from the true underlying coefficients </a:t>
-            </a:r>
-            <a:r>
-              <a:rPr lang="en-US" dirty="0" err="1">
+              <a:t>Given the dataset </a:t>
+            </a:r>
+            <a:r>
+              <a:rPr lang="en-US" b="1" dirty="0">
+                <a:ea typeface="+mn-lt"/>
+                <a:cs typeface="+mn-lt"/>
+              </a:rPr>
+              <a:t>X, y</a:t>
+            </a:r>
+            <a:r>
+              <a:rPr lang="en-US" dirty="0">
+                <a:ea typeface="+mn-lt"/>
+                <a:cs typeface="+mn-lt"/>
+              </a:rPr>
+              <a:t> generated from the true underlying coefficients </a:t>
+            </a:r>
+            <a:r>
+              <a:rPr lang="en-US" i="1" err="1">
                 <a:ea typeface="+mn-lt"/>
                 <a:cs typeface="+mn-lt"/>
               </a:rPr>
               <a:t>c</a:t>
             </a:r>
             <a:r>
-              <a:rPr lang="en-US" sz="1600" dirty="0" err="1">
+              <a:rPr lang="en-US" sz="1600" i="1" err="1">
                 <a:ea typeface="+mn-lt"/>
                 <a:cs typeface="+mn-lt"/>
               </a:rPr>
@@ -4760,10 +7461,17 @@
                 <a:ea typeface="+mn-lt"/>
                 <a:cs typeface="+mn-lt"/>
               </a:rPr>
-              <a:t> and the true underlying bias b, the goal is to learn the coefficients C</a:t>
-            </a:r>
-            <a:r>
-              <a:rPr lang="en-US" sz="1600" dirty="0">
+              <a:t> and the true underlying bias b, the goal is to learn the coefficients </a:t>
+            </a:r>
+            <a:r>
+              <a:rPr lang="en-US" i="1" dirty="0">
+                <a:ea typeface="+mn-lt"/>
+                <a:cs typeface="+mn-lt"/>
+              </a:rPr>
+              <a:t>C</a:t>
+            </a:r>
+            <a:r>
+              <a:rPr lang="en-US" sz="1600" i="1" dirty="0">
                 <a:ea typeface="+mn-lt"/>
                 <a:cs typeface="+mn-lt"/>
               </a:rPr>
@@ -4774,7 +7482,21 @@
                 <a:ea typeface="+mn-lt"/>
                 <a:cs typeface="+mn-lt"/>
               </a:rPr>
-              <a:t> and the bias B from data, </a:t>
+              <a:t> and the bias </a:t>
+            </a:r>
+            <a:r>
+              <a:rPr lang="en-US" i="1" dirty="0">
+                <a:ea typeface="+mn-lt"/>
+                <a:cs typeface="+mn-lt"/>
+              </a:rPr>
+              <a:t>B</a:t>
+            </a:r>
+            <a:r>
+              <a:rPr lang="en-US" dirty="0">
+                <a:ea typeface="+mn-lt"/>
+                <a:cs typeface="+mn-lt"/>
+              </a:rPr>
+              <a:t> from data, </a:t>
             </a:r>
             <a:br>
               <a:rPr lang="en-US" dirty="0">
@@ -5171,7 +7893,35 @@
                 <a:ea typeface="+mn-lt"/>
                 <a:cs typeface="+mn-lt"/>
               </a:rPr>
-              <a:t>), where each observation is a D-dimensional real vector, k-means clustering aims to partition the n observations into k (k&lt; n) sets S = {S</a:t>
+              <a:t>), where each observation is a D-dimensional real vector, k-means clustering aims to partition the </a:t>
+            </a:r>
+            <a:r>
+              <a:rPr lang="en-US" i="1" dirty="0">
+                <a:ea typeface="+mn-lt"/>
+                <a:cs typeface="+mn-lt"/>
+              </a:rPr>
+              <a:t>n</a:t>
+            </a:r>
+            <a:r>
+              <a:rPr lang="en-US" dirty="0">
+                <a:ea typeface="+mn-lt"/>
+                <a:cs typeface="+mn-lt"/>
+              </a:rPr>
+              <a:t> observations into </a:t>
+            </a:r>
+            <a:r>
+              <a:rPr lang="en-US" i="1" dirty="0">
+                <a:ea typeface="+mn-lt"/>
+                <a:cs typeface="+mn-lt"/>
+              </a:rPr>
+              <a:t>k (k&lt; n)</a:t>
+            </a:r>
+            <a:r>
+              <a:rPr lang="en-US" dirty="0">
+                <a:ea typeface="+mn-lt"/>
+                <a:cs typeface="+mn-lt"/>
+              </a:rPr>
+              <a:t> sets S = {S</a:t>
             </a:r>
             <a:r>
               <a:rPr lang="en-US" sz="1600" dirty="0">
@@ -5239,7 +7989,7 @@
               <a:t>Where µ</a:t>
             </a:r>
             <a:r>
-              <a:rPr lang="en-US" sz="1600" dirty="0" err="1">
+              <a:rPr lang="en-US" sz="1600" err="1">
                 <a:ea typeface="+mn-lt"/>
                 <a:cs typeface="+mn-lt"/>
               </a:rPr>
@@ -5250,16 +8000,23 @@
                 <a:ea typeface="+mn-lt"/>
                 <a:cs typeface="+mn-lt"/>
               </a:rPr>
-              <a:t> is the mean also called centroid of points in S</a:t>
-            </a:r>
-            <a:r>
-              <a:rPr lang="en-US" sz="1600" dirty="0">
+              <a:t> is the mean also called centroid of points in </a:t>
+            </a:r>
+            <a:r>
+              <a:rPr lang="en-US" i="1" dirty="0">
+                <a:ea typeface="+mn-lt"/>
+                <a:cs typeface="+mn-lt"/>
+              </a:rPr>
+              <a:t>S</a:t>
+            </a:r>
+            <a:r>
+              <a:rPr lang="en-US" sz="1600" i="1" dirty="0">
                 <a:ea typeface="+mn-lt"/>
                 <a:cs typeface="+mn-lt"/>
               </a:rPr>
               <a:t>i</a:t>
             </a:r>
-            <a:endParaRPr lang="en-US" sz="1600" dirty="0"/>
+            <a:endParaRPr lang="en-US" sz="1600" i="1" dirty="0"/>
           </a:p>
           <a:p>
             <a:endParaRPr lang="en-US" dirty="0"/>
@@ -5598,16 +8355,72 @@
                 <a:ea typeface="+mn-lt"/>
                 <a:cs typeface="+mn-lt"/>
               </a:rPr>
-              <a:t>, where the N rows represent N samples, and each of the M columns is a particular kind of feature. </a:t>
-            </a:r>
-          </a:p>
-          <a:p>
+              <a:t>, where the </a:t>
+            </a:r>
+            <a:r>
+              <a:rPr lang="en-US" sz="2000" i="1" dirty="0">
+                <a:ea typeface="+mn-lt"/>
+                <a:cs typeface="+mn-lt"/>
+              </a:rPr>
+              <a:t>N</a:t>
+            </a:r>
             <a:r>
               <a:rPr lang="en-US" sz="2000" dirty="0">
                 <a:ea typeface="+mn-lt"/>
                 <a:cs typeface="+mn-lt"/>
               </a:rPr>
-              <a:t>The covariance matrix of C is given by  </a:t>
+              <a:t> rows represent </a:t>
+            </a:r>
+            <a:r>
+              <a:rPr lang="en-US" sz="2000" i="1" dirty="0">
+                <a:ea typeface="+mn-lt"/>
+                <a:cs typeface="+mn-lt"/>
+              </a:rPr>
+              <a:t>N</a:t>
+            </a:r>
+            <a:r>
+              <a:rPr lang="en-US" sz="2000" dirty="0">
+                <a:ea typeface="+mn-lt"/>
+                <a:cs typeface="+mn-lt"/>
+              </a:rPr>
+              <a:t> samples, and each of the </a:t>
+            </a:r>
+            <a:r>
+              <a:rPr lang="en-US" sz="2000" i="1" dirty="0">
+                <a:ea typeface="+mn-lt"/>
+                <a:cs typeface="+mn-lt"/>
+              </a:rPr>
+              <a:t>M</a:t>
+            </a:r>
+            <a:r>
+              <a:rPr lang="en-US" sz="2000" dirty="0">
+                <a:ea typeface="+mn-lt"/>
+                <a:cs typeface="+mn-lt"/>
+              </a:rPr>
+              <a:t> columns is a particular kind of feature. </a:t>
+            </a:r>
+          </a:p>
+          <a:p>
+            <a:r>
+              <a:rPr lang="en-US" sz="2000" dirty="0">
+                <a:ea typeface="+mn-lt"/>
+                <a:cs typeface="+mn-lt"/>
+              </a:rPr>
+              <a:t>The covariance matrix of </a:t>
+            </a:r>
+            <a:r>
+              <a:rPr lang="en-US" sz="2000" i="1" dirty="0">
+                <a:ea typeface="+mn-lt"/>
+                <a:cs typeface="+mn-lt"/>
+              </a:rPr>
+              <a:t>C</a:t>
+            </a:r>
+            <a:r>
+              <a:rPr lang="en-US" sz="2000" dirty="0">
+                <a:ea typeface="+mn-lt"/>
+                <a:cs typeface="+mn-lt"/>
+              </a:rPr>
+              <a:t> is given by  </a:t>
             </a:r>
             <a:endParaRPr lang="en-US" sz="2000"/>
           </a:p>
@@ -5770,7 +8583,21 @@
                 <a:ea typeface="+mn-lt"/>
                 <a:cs typeface="+mn-lt"/>
               </a:rPr>
-              <a:t>The covariance matrix C is symmetric and positive </a:t>
+              <a:t>The covariance matrix </a:t>
+            </a:r>
+            <a:r>
+              <a:rPr lang="en-US" sz="2400" i="1" dirty="0">
+                <a:ea typeface="+mn-lt"/>
+                <a:cs typeface="+mn-lt"/>
+              </a:rPr>
+              <a:t>C</a:t>
+            </a:r>
+            <a:r>
+              <a:rPr lang="en-US" sz="2400" dirty="0">
+                <a:ea typeface="+mn-lt"/>
+                <a:cs typeface="+mn-lt"/>
+              </a:rPr>
+              <a:t> is symmetric and positive </a:t>
             </a:r>
             <a:br>
               <a:rPr lang="en-US" sz="2400" dirty="0">
@@ -5796,11 +8623,18 @@
               <a:t>Each entry </a:t>
             </a:r>
             <a:r>
-              <a:rPr lang="en-US" sz="2400" err="1">
-                <a:ea typeface="+mn-lt"/>
-                <a:cs typeface="+mn-lt"/>
-              </a:rPr>
-              <a:t>Cij</a:t>
+              <a:rPr lang="en-US" sz="2400" i="1" err="1">
+                <a:ea typeface="+mn-lt"/>
+                <a:cs typeface="+mn-lt"/>
+              </a:rPr>
+              <a:t>C</a:t>
+            </a:r>
+            <a:r>
+              <a:rPr lang="en-US" sz="1600" i="1" err="1">
+                <a:ea typeface="+mn-lt"/>
+                <a:cs typeface="+mn-lt"/>
+              </a:rPr>
+              <a:t>ij</a:t>
             </a:r>
             <a:r>
               <a:rPr lang="en-US" sz="2400" dirty="0">
@@ -5810,7 +8644,7 @@
               <a:t> quantifies the correlation of the </a:t>
             </a:r>
             <a:r>
-              <a:rPr lang="en-US" sz="2400" err="1">
+              <a:rPr lang="en-US" sz="2400" i="1" err="1">
                 <a:ea typeface="+mn-lt"/>
                 <a:cs typeface="+mn-lt"/>
               </a:rPr>
@@ -5821,7 +8655,14 @@
                 <a:ea typeface="+mn-lt"/>
                 <a:cs typeface="+mn-lt"/>
               </a:rPr>
-              <a:t> and j</a:t>
+              <a:t> and </a:t>
+            </a:r>
+            <a:r>
+              <a:rPr lang="en-US" sz="2400" i="1" dirty="0">
+                <a:ea typeface="+mn-lt"/>
+                <a:cs typeface="+mn-lt"/>
+              </a:rPr>
+              <a:t>j</a:t>
             </a:r>
             <a:br>
               <a:rPr lang="en-US" sz="2400" dirty="0">
@@ -5843,8 +8684,28 @@
                 <a:ea typeface="+mn-lt"/>
                 <a:cs typeface="+mn-lt"/>
               </a:rPr>
-              <a:t>The principal components are the eigenvectors of C</a:t>
-            </a:r>
+              <a:t>The principal components are the eigenvectors of </a:t>
+            </a:r>
+            <a:r>
+              <a:rPr lang="en-US" sz="2400" i="1" dirty="0">
+                <a:ea typeface="+mn-lt"/>
+                <a:cs typeface="+mn-lt"/>
+              </a:rPr>
+              <a:t>C</a:t>
+            </a:r>
+          </a:p>
+          <a:p>
+            <a:pPr marL="0" indent="0">
+              <a:buNone/>
+            </a:pPr>
+            <a:r>
+              <a:rPr lang="en-US" sz="2400" i="1" dirty="0">
+                <a:ea typeface="+mn-lt"/>
+                <a:cs typeface="+mn-lt"/>
+              </a:rPr>
+              <a:t>                                                 CV = VD</a:t>
+            </a:r>
+            <a:endParaRPr lang="en-US" dirty="0"/>
           </a:p>
           <a:p>
             <a:r>
@@ -5852,16 +8713,21 @@
                 <a:ea typeface="+mn-lt"/>
                 <a:cs typeface="+mn-lt"/>
               </a:rPr>
-              <a:t>CV = VD</a:t>
-            </a:r>
-          </a:p>
-          <a:p>
+              <a:t>They define a change of coordinates in which </a:t>
+            </a:r>
+            <a:r>
+              <a:rPr lang="en-US" sz="2400" i="1" dirty="0">
+                <a:ea typeface="+mn-lt"/>
+                <a:cs typeface="+mn-lt"/>
+              </a:rPr>
+              <a:t>C</a:t>
+            </a:r>
             <a:r>
               <a:rPr lang="en-US" sz="2400" dirty="0">
                 <a:ea typeface="+mn-lt"/>
                 <a:cs typeface="+mn-lt"/>
               </a:rPr>
-              <a:t>They define a change of coordinates in which C is diagonal</a:t>
+              <a:t> is diagonal</a:t>
             </a:r>
             <a:endParaRPr lang="en-US" dirty="0" err="1"/>
           </a:p>
@@ -5871,7 +8737,21 @@
                 <a:ea typeface="+mn-lt"/>
                 <a:cs typeface="+mn-lt"/>
               </a:rPr>
-              <a:t>The columns of the eigenvector matrix V are the principal components</a:t>
+              <a:t>The columns of the eigenvector matrix </a:t>
+            </a:r>
+            <a:r>
+              <a:rPr lang="en-US" sz="2400" i="1" dirty="0">
+                <a:ea typeface="+mn-lt"/>
+                <a:cs typeface="+mn-lt"/>
+              </a:rPr>
+              <a:t>V</a:t>
+            </a:r>
+            <a:r>
+              <a:rPr lang="en-US" sz="2400" dirty="0">
+                <a:ea typeface="+mn-lt"/>
+                <a:cs typeface="+mn-lt"/>
+              </a:rPr>
+              <a:t> are the principal components</a:t>
             </a:r>
             <a:endParaRPr lang="en-US" sz="2400"/>
           </a:p>
@@ -5881,7 +8761,21 @@
                 <a:ea typeface="+mn-lt"/>
                 <a:cs typeface="+mn-lt"/>
               </a:rPr>
-              <a:t>The elements of the diagonal matrix D are the variances of the data along these directions</a:t>
+              <a:t>The elements of the diagonal matrix </a:t>
+            </a:r>
+            <a:r>
+              <a:rPr lang="en-US" sz="2400" i="1" dirty="0">
+                <a:ea typeface="+mn-lt"/>
+                <a:cs typeface="+mn-lt"/>
+              </a:rPr>
+              <a:t>D</a:t>
+            </a:r>
+            <a:r>
+              <a:rPr lang="en-US" sz="2400" dirty="0">
+                <a:ea typeface="+mn-lt"/>
+                <a:cs typeface="+mn-lt"/>
+              </a:rPr>
+              <a:t> are the variances of the data along these directions</a:t>
             </a:r>
             <a:endParaRPr lang="en-US" sz="2400" dirty="0"/>
           </a:p>
@@ -5944,7 +8838,7 @@
         <p:cNvPr id="1" name="">
           <a:extLst>
             <a:ext uri="{FF2B5EF4-FFF2-40B4-BE49-F238E27FC236}">
-              <a16:creationId xmlns:a16="http://schemas.microsoft.com/office/drawing/2014/main" id="{98C05AC8-2BBF-0597-3EF0-430FD62A58AC}"/>
+              <a16:creationId xmlns:a16="http://schemas.microsoft.com/office/drawing/2014/main" id="{92209B6B-466B-07CF-F812-F5E1B255A856}"/>
             </a:ext>
           </a:extLst>
         </p:cNvPr>
@@ -5964,7 +8858,7 @@
           <p:cNvPr id="2" name="Title 1">
             <a:extLst>
               <a:ext uri="{FF2B5EF4-FFF2-40B4-BE49-F238E27FC236}">
-                <a16:creationId xmlns:a16="http://schemas.microsoft.com/office/drawing/2014/main" id="{7856B8FF-7877-1BEF-1CA2-1129B8F81D66}"/>
+                <a16:creationId xmlns:a16="http://schemas.microsoft.com/office/drawing/2014/main" id="{510DD353-A251-0F5D-AD56-0C6F127D544E}"/>
               </a:ext>
             </a:extLst>
           </p:cNvPr>
@@ -5977,191 +8871,60 @@
         </p:nvSpPr>
         <p:spPr/>
         <p:txBody>
-          <a:bodyPr>
-            <a:normAutofit/>
-          </a:bodyPr>
-          <a:lstStyle/>
-          <a:p>
-            <a:r>
-              <a:rPr lang="en-US" dirty="0">
-                <a:latin typeface="Aptos"/>
-              </a:rPr>
-              <a:t>k-Nearest Neighbors (</a:t>
-            </a:r>
-            <a:r>
-              <a:rPr lang="en-US" dirty="0" err="1">
-                <a:latin typeface="Aptos"/>
-              </a:rPr>
-              <a:t>kNN</a:t>
-            </a:r>
-            <a:r>
-              <a:rPr lang="en-US" dirty="0">
-                <a:latin typeface="Aptos"/>
-              </a:rPr>
-              <a:t>)</a:t>
-            </a:r>
-            <a:endParaRPr lang="en-US" dirty="0"/>
-          </a:p>
-        </p:txBody>
-      </p:sp>
-      <p:sp>
-        <p:nvSpPr>
-          <p:cNvPr id="12" name="Content Placeholder 11">
+          <a:bodyPr/>
+          <a:lstStyle/>
+          <a:p>
+            <a:r>
+              <a:rPr lang="en-US" dirty="0"/>
+              <a:t>PCA</a:t>
+            </a:r>
+          </a:p>
+        </p:txBody>
+      </p:sp>
+      <p:sp>
+        <p:nvSpPr>
+          <p:cNvPr id="4" name="TextBox 3">
             <a:extLst>
               <a:ext uri="{FF2B5EF4-FFF2-40B4-BE49-F238E27FC236}">
-                <a16:creationId xmlns:a16="http://schemas.microsoft.com/office/drawing/2014/main" id="{B7343FDD-3F7D-D76A-CA11-6C649D6D8C42}"/>
+                <a16:creationId xmlns:a16="http://schemas.microsoft.com/office/drawing/2014/main" id="{687F318F-232A-C3B6-E6EB-9B07C99278DC}"/>
               </a:ext>
             </a:extLst>
           </p:cNvPr>
-          <p:cNvSpPr>
-            <a:spLocks noGrp="1"/>
-          </p:cNvSpPr>
-          <p:nvPr>
-            <p:ph idx="1"/>
-          </p:nvPr>
+          <p:cNvSpPr txBox="1"/>
+          <p:nvPr/>
         </p:nvSpPr>
         <p:spPr>
           <a:xfrm>
-            <a:off x="838200" y="1825625"/>
-            <a:ext cx="10517637" cy="4351338"/>
+            <a:off x="2910625" y="6087414"/>
+            <a:ext cx="6370749" cy="369332"/>
           </a:xfrm>
+          <a:prstGeom prst="rect">
+            <a:avLst/>
+          </a:prstGeom>
+          <a:noFill/>
         </p:spPr>
         <p:txBody>
-          <a:bodyPr vert="horz" lIns="91440" tIns="45720" rIns="91440" bIns="45720" rtlCol="0" anchor="t">
-            <a:noAutofit/>
+          <a:bodyPr rot="0" spcFirstLastPara="0" vertOverflow="overflow" horzOverflow="overflow" vert="horz" wrap="square" lIns="91440" tIns="45720" rIns="91440" bIns="45720" numCol="1" spcCol="0" rtlCol="0" fromWordArt="0" anchor="t" anchorCtr="0" forceAA="0" compatLnSpc="1">
+            <a:prstTxWarp prst="textNoShape">
+              <a:avLst/>
+            </a:prstTxWarp>
+            <a:spAutoFit/>
           </a:bodyPr>
           <a:lstStyle/>
           <a:p>
             <a:r>
-              <a:rPr lang="en-US" sz="2400" dirty="0">
-                <a:ea typeface="+mn-lt"/>
-                <a:cs typeface="+mn-lt"/>
-              </a:rPr>
-              <a:t>When trying to predict outcomes of a particular observation in a dataset, one of the most natural and intuitive options is to consider similar observations and check their outcomes</a:t>
-            </a:r>
-            <a:endParaRPr lang="en-US" sz="2400" dirty="0"/>
-          </a:p>
-          <a:p>
-            <a:r>
-              <a:rPr lang="en-US" sz="2400" dirty="0">
-                <a:ea typeface="+mn-lt"/>
-                <a:cs typeface="+mn-lt"/>
-              </a:rPr>
-              <a:t> </a:t>
-            </a:r>
-            <a:r>
-              <a:rPr lang="en-US" sz="2400" dirty="0" err="1">
-                <a:ea typeface="+mn-lt"/>
-                <a:cs typeface="+mn-lt"/>
-              </a:rPr>
-              <a:t>kNN</a:t>
-            </a:r>
-            <a:r>
-              <a:rPr lang="en-US" sz="2400" dirty="0">
-                <a:ea typeface="+mn-lt"/>
-                <a:cs typeface="+mn-lt"/>
-              </a:rPr>
-              <a:t> is used for classification, regression, or search algorithms</a:t>
-            </a:r>
-          </a:p>
-          <a:p>
-            <a:r>
-              <a:rPr lang="en-US" sz="2400" dirty="0">
-                <a:ea typeface="+mn-lt"/>
-                <a:cs typeface="+mn-lt"/>
-              </a:rPr>
-              <a:t>For each new observation, we find the k most similar (defined in terms of distance metric) observations with known outcomes</a:t>
-            </a:r>
-            <a:endParaRPr lang="en-US">
-              <a:ea typeface="+mn-lt"/>
-              <a:cs typeface="+mn-lt"/>
-            </a:endParaRPr>
-          </a:p>
-          <a:p>
-            <a:r>
-              <a:rPr lang="en-US" sz="2400" dirty="0">
-                <a:ea typeface="+mn-lt"/>
-                <a:cs typeface="+mn-lt"/>
-              </a:rPr>
-              <a:t>Labelled observations are gathered into a data </a:t>
-            </a:r>
-            <a:br>
-              <a:rPr lang="en-US" sz="2400" dirty="0">
-                <a:ea typeface="+mn-lt"/>
-                <a:cs typeface="+mn-lt"/>
-              </a:rPr>
-            </a:br>
-            <a:r>
-              <a:rPr lang="en-US" sz="2400" dirty="0">
-                <a:ea typeface="+mn-lt"/>
-                <a:cs typeface="+mn-lt"/>
-              </a:rPr>
-              <a:t>structure known as </a:t>
-            </a:r>
-            <a:r>
-              <a:rPr lang="en-US" sz="2400" i="1" dirty="0">
-                <a:ea typeface="+mn-lt"/>
-                <a:cs typeface="+mn-lt"/>
-              </a:rPr>
-              <a:t>index</a:t>
-            </a:r>
-            <a:endParaRPr lang="en-US" sz="2400" dirty="0">
-              <a:ea typeface="+mn-lt"/>
-              <a:cs typeface="+mn-lt"/>
-            </a:endParaRPr>
-          </a:p>
-          <a:p>
-            <a:r>
-              <a:rPr lang="en-US" sz="2400" dirty="0">
-                <a:ea typeface="+mn-lt"/>
-                <a:cs typeface="+mn-lt"/>
-              </a:rPr>
-              <a:t>New </a:t>
-            </a:r>
-            <a:r>
-              <a:rPr lang="en-US" sz="2400" dirty="0" err="1">
-                <a:ea typeface="+mn-lt"/>
-                <a:cs typeface="+mn-lt"/>
-              </a:rPr>
-              <a:t>unlabelled</a:t>
-            </a:r>
-            <a:r>
-              <a:rPr lang="en-US" sz="2400" dirty="0">
-                <a:ea typeface="+mn-lt"/>
-                <a:cs typeface="+mn-lt"/>
-              </a:rPr>
-              <a:t> observations upon which search </a:t>
-            </a:r>
-            <a:br>
-              <a:rPr lang="en-US" sz="2400" dirty="0">
-                <a:ea typeface="+mn-lt"/>
-                <a:cs typeface="+mn-lt"/>
-              </a:rPr>
-            </a:br>
-            <a:r>
-              <a:rPr lang="en-US" sz="2400" dirty="0">
-                <a:ea typeface="+mn-lt"/>
-                <a:cs typeface="+mn-lt"/>
-              </a:rPr>
-              <a:t>is performed are the </a:t>
-            </a:r>
-            <a:r>
-              <a:rPr lang="en-US" sz="2400" i="1" dirty="0">
-                <a:ea typeface="+mn-lt"/>
-                <a:cs typeface="+mn-lt"/>
-              </a:rPr>
-              <a:t>query</a:t>
-            </a:r>
-            <a:endParaRPr lang="en-US" sz="2400" dirty="0"/>
+              <a:rPr lang="en-US"/>
+              <a:t>PCA in a nutshell. Source: Lavrenko and Sutton 2011, slide 13.</a:t>
+            </a:r>
           </a:p>
         </p:txBody>
       </p:sp>
       <p:pic>
         <p:nvPicPr>
-          <p:cNvPr id="3" name="Picture 2" descr="A diagram of a network&#10;&#10;AI-generated content may be incorrect.">
+          <p:cNvPr id="5" name="Picture 4" descr="A diagram of a graph&#10;&#10;AI-generated content may be incorrect.">
             <a:extLst>
               <a:ext uri="{FF2B5EF4-FFF2-40B4-BE49-F238E27FC236}">
-                <a16:creationId xmlns:a16="http://schemas.microsoft.com/office/drawing/2014/main" id="{242FD46B-AE50-B428-D891-0193CCA21F42}"/>
+                <a16:creationId xmlns:a16="http://schemas.microsoft.com/office/drawing/2014/main" id="{B69468F7-DAD3-E183-5F69-E04D7F44B1AE}"/>
               </a:ext>
             </a:extLst>
           </p:cNvPr>
@@ -6178,8 +8941,8 @@
         </p:blipFill>
         <p:spPr>
           <a:xfrm>
-            <a:off x="8115654" y="3863270"/>
-            <a:ext cx="3242027" cy="2320572"/>
+            <a:off x="2803680" y="794197"/>
+            <a:ext cx="6906610" cy="5258874"/>
           </a:xfrm>
           <a:prstGeom prst="rect">
             <a:avLst/>
@@ -6189,7 +8952,7 @@
     </p:spTree>
     <p:extLst>
       <p:ext uri="{BB962C8B-B14F-4D97-AF65-F5344CB8AC3E}">
-        <p14:creationId xmlns:p14="http://schemas.microsoft.com/office/powerpoint/2010/main" val="3172728763"/>
+        <p14:creationId xmlns:p14="http://schemas.microsoft.com/office/powerpoint/2010/main" val="3895394373"/>
       </p:ext>
     </p:extLst>
   </p:cSld>
